--- a/CSE280Wk2Day1.pptx
+++ b/CSE280Wk2Day1.pptx
@@ -138,13 +138,112 @@
 <file path=ppt/revisionInfo.xml><?xml version="1.0" encoding="utf-8"?>
 <p1510:revInfo xmlns:a="http://schemas.openxmlformats.org/drawingml/2006/main" xmlns:r="http://schemas.openxmlformats.org/officeDocument/2006/relationships" xmlns:p1510="http://schemas.microsoft.com/office/powerpoint/2015/10/main">
   <p1510:revLst>
-    <p1510:client id="{AF55EFCC-C5E7-BB46-9081-2B6B2B4BC0F6}" v="48" dt="2023-09-18T14:46:26.976"/>
+    <p1510:client id="{2C257D34-EBC7-D146-B297-FEE8CFE42ABD}" v="3" dt="2024-01-17T19:20:53.965"/>
   </p1510:revLst>
 </p1510:revInfo>
 </file>
 
 <file path=ppt/changesInfos/changesInfo1.xml><?xml version="1.0" encoding="utf-8"?>
 <pc:chgInfo xmlns:a="http://schemas.openxmlformats.org/drawingml/2006/main" xmlns:r="http://schemas.openxmlformats.org/officeDocument/2006/relationships" xmlns:ac="http://schemas.microsoft.com/office/drawing/2013/main/command" xmlns:pc="http://schemas.microsoft.com/office/powerpoint/2013/main/command">
+  <pc:docChgLst>
+    <pc:chgData name="Clements, William" userId="cbdb0636-a496-422a-8d40-98c53d494d26" providerId="ADAL" clId="{2C257D34-EBC7-D146-B297-FEE8CFE42ABD}"/>
+    <pc:docChg chg="modSld">
+      <pc:chgData name="Clements, William" userId="cbdb0636-a496-422a-8d40-98c53d494d26" providerId="ADAL" clId="{2C257D34-EBC7-D146-B297-FEE8CFE42ABD}" dt="2024-01-17T19:22:57.173" v="12" actId="113"/>
+      <pc:docMkLst>
+        <pc:docMk/>
+      </pc:docMkLst>
+      <pc:sldChg chg="modSp">
+        <pc:chgData name="Clements, William" userId="cbdb0636-a496-422a-8d40-98c53d494d26" providerId="ADAL" clId="{2C257D34-EBC7-D146-B297-FEE8CFE42ABD}" dt="2024-01-17T19:20:53.965" v="5" actId="113"/>
+        <pc:sldMkLst>
+          <pc:docMk/>
+          <pc:sldMk cId="806145742" sldId="312"/>
+        </pc:sldMkLst>
+        <pc:spChg chg="mod">
+          <ac:chgData name="Clements, William" userId="cbdb0636-a496-422a-8d40-98c53d494d26" providerId="ADAL" clId="{2C257D34-EBC7-D146-B297-FEE8CFE42ABD}" dt="2024-01-17T19:20:53.965" v="5" actId="113"/>
+          <ac:spMkLst>
+            <pc:docMk/>
+            <pc:sldMk cId="806145742" sldId="312"/>
+            <ac:spMk id="3" creationId="{D1667493-B257-4C41-8EA8-2F4182DA74B2}"/>
+          </ac:spMkLst>
+        </pc:spChg>
+      </pc:sldChg>
+      <pc:sldChg chg="modSp">
+        <pc:chgData name="Clements, William" userId="cbdb0636-a496-422a-8d40-98c53d494d26" providerId="ADAL" clId="{2C257D34-EBC7-D146-B297-FEE8CFE42ABD}" dt="2024-01-17T19:20:50.435" v="4" actId="113"/>
+        <pc:sldMkLst>
+          <pc:docMk/>
+          <pc:sldMk cId="2084119842" sldId="313"/>
+        </pc:sldMkLst>
+        <pc:spChg chg="mod">
+          <ac:chgData name="Clements, William" userId="cbdb0636-a496-422a-8d40-98c53d494d26" providerId="ADAL" clId="{2C257D34-EBC7-D146-B297-FEE8CFE42ABD}" dt="2024-01-17T19:20:50.435" v="4" actId="113"/>
+          <ac:spMkLst>
+            <pc:docMk/>
+            <pc:sldMk cId="2084119842" sldId="313"/>
+            <ac:spMk id="3" creationId="{D1667493-B257-4C41-8EA8-2F4182DA74B2}"/>
+          </ac:spMkLst>
+        </pc:spChg>
+      </pc:sldChg>
+      <pc:sldChg chg="modSp mod">
+        <pc:chgData name="Clements, William" userId="cbdb0636-a496-422a-8d40-98c53d494d26" providerId="ADAL" clId="{2C257D34-EBC7-D146-B297-FEE8CFE42ABD}" dt="2024-01-17T19:19:15.061" v="2" actId="113"/>
+        <pc:sldMkLst>
+          <pc:docMk/>
+          <pc:sldMk cId="2054648740" sldId="314"/>
+        </pc:sldMkLst>
+        <pc:spChg chg="mod">
+          <ac:chgData name="Clements, William" userId="cbdb0636-a496-422a-8d40-98c53d494d26" providerId="ADAL" clId="{2C257D34-EBC7-D146-B297-FEE8CFE42ABD}" dt="2024-01-17T19:19:15.061" v="2" actId="113"/>
+          <ac:spMkLst>
+            <pc:docMk/>
+            <pc:sldMk cId="2054648740" sldId="314"/>
+            <ac:spMk id="3" creationId="{2CFAEC7D-658C-31F0-9C80-6FDB36EE13F4}"/>
+          </ac:spMkLst>
+        </pc:spChg>
+      </pc:sldChg>
+      <pc:sldChg chg="modSp">
+        <pc:chgData name="Clements, William" userId="cbdb0636-a496-422a-8d40-98c53d494d26" providerId="ADAL" clId="{2C257D34-EBC7-D146-B297-FEE8CFE42ABD}" dt="2024-01-17T19:19:35.342" v="3" actId="113"/>
+        <pc:sldMkLst>
+          <pc:docMk/>
+          <pc:sldMk cId="3185417513" sldId="315"/>
+        </pc:sldMkLst>
+        <pc:spChg chg="mod">
+          <ac:chgData name="Clements, William" userId="cbdb0636-a496-422a-8d40-98c53d494d26" providerId="ADAL" clId="{2C257D34-EBC7-D146-B297-FEE8CFE42ABD}" dt="2024-01-17T19:19:35.342" v="3" actId="113"/>
+          <ac:spMkLst>
+            <pc:docMk/>
+            <pc:sldMk cId="3185417513" sldId="315"/>
+            <ac:spMk id="4" creationId="{BC8A3DEA-D19C-32C9-8F77-E67713F020E1}"/>
+          </ac:spMkLst>
+        </pc:spChg>
+      </pc:sldChg>
+      <pc:sldChg chg="modSp mod">
+        <pc:chgData name="Clements, William" userId="cbdb0636-a496-422a-8d40-98c53d494d26" providerId="ADAL" clId="{2C257D34-EBC7-D146-B297-FEE8CFE42ABD}" dt="2024-01-17T19:22:28.680" v="8" actId="113"/>
+        <pc:sldMkLst>
+          <pc:docMk/>
+          <pc:sldMk cId="383892364" sldId="318"/>
+        </pc:sldMkLst>
+        <pc:spChg chg="mod">
+          <ac:chgData name="Clements, William" userId="cbdb0636-a496-422a-8d40-98c53d494d26" providerId="ADAL" clId="{2C257D34-EBC7-D146-B297-FEE8CFE42ABD}" dt="2024-01-17T19:22:28.680" v="8" actId="113"/>
+          <ac:spMkLst>
+            <pc:docMk/>
+            <pc:sldMk cId="383892364" sldId="318"/>
+            <ac:spMk id="3" creationId="{03A4C616-5A7A-7DEF-6E46-9A8F7AE8FF3C}"/>
+          </ac:spMkLst>
+        </pc:spChg>
+      </pc:sldChg>
+      <pc:sldChg chg="modSp mod">
+        <pc:chgData name="Clements, William" userId="cbdb0636-a496-422a-8d40-98c53d494d26" providerId="ADAL" clId="{2C257D34-EBC7-D146-B297-FEE8CFE42ABD}" dt="2024-01-17T19:22:57.173" v="12" actId="113"/>
+        <pc:sldMkLst>
+          <pc:docMk/>
+          <pc:sldMk cId="1669234758" sldId="320"/>
+        </pc:sldMkLst>
+        <pc:spChg chg="mod">
+          <ac:chgData name="Clements, William" userId="cbdb0636-a496-422a-8d40-98c53d494d26" providerId="ADAL" clId="{2C257D34-EBC7-D146-B297-FEE8CFE42ABD}" dt="2024-01-17T19:22:57.173" v="12" actId="113"/>
+          <ac:spMkLst>
+            <pc:docMk/>
+            <pc:sldMk cId="1669234758" sldId="320"/>
+            <ac:spMk id="3" creationId="{94CBB5BE-413F-89E2-A384-49A2CFC5B5E1}"/>
+          </ac:spMkLst>
+        </pc:spChg>
+      </pc:sldChg>
+    </pc:docChg>
+  </pc:docChgLst>
   <pc:docChgLst>
     <pc:chgData name="Clements, William" userId="cbdb0636-a496-422a-8d40-98c53d494d26" providerId="ADAL" clId="{AF55EFCC-C5E7-BB46-9081-2B6B2B4BC0F6}"/>
     <pc:docChg chg="undo custSel addSld delSld modSld">
@@ -921,7 +1020,7 @@
           <a:p>
             <a:fld id="{40E709DE-86B8-584B-A999-C0E92EE996B6}" type="datetimeFigureOut">
               <a:rPr lang="en-US" smtClean="0"/>
-              <a:t>9/22/23</a:t>
+              <a:t>1/17/24</a:t>
             </a:fld>
             <a:endParaRPr lang="en-US"/>
           </a:p>
@@ -1943,7 +2042,7 @@
           <a:p>
             <a:fld id="{A97435AD-ABC0-A544-AC9F-F6B578AF4183}" type="datetimeFigureOut">
               <a:rPr lang="en-US" smtClean="0"/>
-              <a:t>9/22/23</a:t>
+              <a:t>1/17/24</a:t>
             </a:fld>
             <a:endParaRPr lang="en-US"/>
           </a:p>
@@ -2113,7 +2212,7 @@
           <a:p>
             <a:fld id="{A97435AD-ABC0-A544-AC9F-F6B578AF4183}" type="datetimeFigureOut">
               <a:rPr lang="en-US" smtClean="0"/>
-              <a:t>9/22/23</a:t>
+              <a:t>1/17/24</a:t>
             </a:fld>
             <a:endParaRPr lang="en-US"/>
           </a:p>
@@ -2293,7 +2392,7 @@
           <a:p>
             <a:fld id="{A97435AD-ABC0-A544-AC9F-F6B578AF4183}" type="datetimeFigureOut">
               <a:rPr lang="en-US" smtClean="0"/>
-              <a:t>9/22/23</a:t>
+              <a:t>1/17/24</a:t>
             </a:fld>
             <a:endParaRPr lang="en-US"/>
           </a:p>
@@ -2463,7 +2562,7 @@
           <a:p>
             <a:fld id="{A97435AD-ABC0-A544-AC9F-F6B578AF4183}" type="datetimeFigureOut">
               <a:rPr lang="en-US" smtClean="0"/>
-              <a:t>9/22/23</a:t>
+              <a:t>1/17/24</a:t>
             </a:fld>
             <a:endParaRPr lang="en-US"/>
           </a:p>
@@ -2709,7 +2808,7 @@
           <a:p>
             <a:fld id="{A97435AD-ABC0-A544-AC9F-F6B578AF4183}" type="datetimeFigureOut">
               <a:rPr lang="en-US" smtClean="0"/>
-              <a:t>9/22/23</a:t>
+              <a:t>1/17/24</a:t>
             </a:fld>
             <a:endParaRPr lang="en-US"/>
           </a:p>
@@ -2941,7 +3040,7 @@
           <a:p>
             <a:fld id="{A97435AD-ABC0-A544-AC9F-F6B578AF4183}" type="datetimeFigureOut">
               <a:rPr lang="en-US" smtClean="0"/>
-              <a:t>9/22/23</a:t>
+              <a:t>1/17/24</a:t>
             </a:fld>
             <a:endParaRPr lang="en-US"/>
           </a:p>
@@ -3308,7 +3407,7 @@
           <a:p>
             <a:fld id="{A97435AD-ABC0-A544-AC9F-F6B578AF4183}" type="datetimeFigureOut">
               <a:rPr lang="en-US" smtClean="0"/>
-              <a:t>9/22/23</a:t>
+              <a:t>1/17/24</a:t>
             </a:fld>
             <a:endParaRPr lang="en-US"/>
           </a:p>
@@ -3426,7 +3525,7 @@
           <a:p>
             <a:fld id="{A97435AD-ABC0-A544-AC9F-F6B578AF4183}" type="datetimeFigureOut">
               <a:rPr lang="en-US" smtClean="0"/>
-              <a:t>9/22/23</a:t>
+              <a:t>1/17/24</a:t>
             </a:fld>
             <a:endParaRPr lang="en-US"/>
           </a:p>
@@ -3521,7 +3620,7 @@
           <a:p>
             <a:fld id="{A97435AD-ABC0-A544-AC9F-F6B578AF4183}" type="datetimeFigureOut">
               <a:rPr lang="en-US" smtClean="0"/>
-              <a:t>9/22/23</a:t>
+              <a:t>1/17/24</a:t>
             </a:fld>
             <a:endParaRPr lang="en-US"/>
           </a:p>
@@ -3798,7 +3897,7 @@
           <a:p>
             <a:fld id="{A97435AD-ABC0-A544-AC9F-F6B578AF4183}" type="datetimeFigureOut">
               <a:rPr lang="en-US" smtClean="0"/>
-              <a:t>9/22/23</a:t>
+              <a:t>1/17/24</a:t>
             </a:fld>
             <a:endParaRPr lang="en-US"/>
           </a:p>
@@ -4055,7 +4154,7 @@
           <a:p>
             <a:fld id="{A97435AD-ABC0-A544-AC9F-F6B578AF4183}" type="datetimeFigureOut">
               <a:rPr lang="en-US" smtClean="0"/>
-              <a:t>9/22/23</a:t>
+              <a:t>1/17/24</a:t>
             </a:fld>
             <a:endParaRPr lang="en-US"/>
           </a:p>
@@ -4268,7 +4367,7 @@
           <a:p>
             <a:fld id="{A97435AD-ABC0-A544-AC9F-F6B578AF4183}" type="datetimeFigureOut">
               <a:rPr lang="en-US" smtClean="0"/>
-              <a:t>9/22/23</a:t>
+              <a:t>1/17/24</a:t>
             </a:fld>
             <a:endParaRPr lang="en-US"/>
           </a:p>
@@ -7235,8 +7334,12 @@
           <a:lstStyle/>
           <a:p>
             <a:r>
+              <a:rPr lang="en-US" b="1" dirty="0"/>
+              <a:t>Idempotence</a:t>
+            </a:r>
+            <a:r>
               <a:rPr lang="en-US" dirty="0"/>
-              <a:t>Idempotence: the property of certain operations in mathematics and computer science whereby they can be applied multiple times without changing the result beyond the initial application 1*1 = 1</a:t>
+              <a:t>: the property of certain operations in mathematics and computer science whereby they can be applied multiple times without changing the result beyond the initial application 1*1 = 1</a:t>
             </a:r>
           </a:p>
           <a:p>
@@ -7251,18 +7354,22 @@
           </a:p>
           <a:p>
             <a:r>
-              <a:rPr lang="en-US" dirty="0"/>
+              <a:rPr lang="en-US" b="1" dirty="0"/>
               <a:t>Association &amp; </a:t>
             </a:r>
             <a:r>
-              <a:rPr lang="en-US" sz="2800" dirty="0">
+              <a:rPr lang="en-US" sz="2800" b="1" dirty="0">
                 <a:effectLst/>
               </a:rPr>
               <a:t>Commutative</a:t>
             </a:r>
             <a:r>
+              <a:rPr lang="en-US" b="1" dirty="0"/>
+              <a:t> law</a:t>
+            </a:r>
+            <a:r>
               <a:rPr lang="en-US" dirty="0"/>
-              <a:t> law: We can apply the association law to the multiplication or addition of the three numbers in discrete mathematics. i.e. 2+3+4 = 4+2+3, 	2*3*4 = 4*3*2</a:t>
+              <a:t>: We can apply the association law to the multiplication or addition of the three numbers in discrete mathematics. i.e. 2+3+4 = 4+2+3, 	2*3*4 = 4*3*2</a:t>
             </a:r>
           </a:p>
           <a:p>
@@ -7420,7 +7527,7 @@
           </a:p>
           <a:p>
             <a:r>
-              <a:rPr lang="en-US" sz="2800" dirty="0">
+              <a:rPr lang="en-US" sz="2800" b="1" dirty="0">
                 <a:effectLst/>
               </a:rPr>
               <a:t>Distributive</a:t>
@@ -7882,16 +7989,22 @@
           <a:lstStyle/>
           <a:p>
             <a:r>
-              <a:rPr lang="en-US" sz="2800" dirty="0">
+              <a:rPr lang="en-US" sz="2800" b="1" dirty="0">
                 <a:effectLst/>
               </a:rPr>
               <a:t>Complement </a:t>
             </a:r>
             <a:r>
+              <a:rPr lang="en-US" sz="2800" b="1" dirty="0" err="1">
+                <a:effectLst/>
+              </a:rPr>
+              <a:t>laws</a:t>
+            </a:r>
+            <a:r>
               <a:rPr lang="en-US" sz="2800" dirty="0" err="1">
                 <a:effectLst/>
               </a:rPr>
-              <a:t>laws:</a:t>
+              <a:t>:</a:t>
             </a:r>
             <a:r>
               <a:rPr lang="en-US" dirty="0" err="1"/>
@@ -7933,10 +8046,16 @@
           </a:p>
           <a:p>
             <a:r>
+              <a:rPr lang="en-US" sz="2800" b="1" dirty="0">
+                <a:effectLst/>
+              </a:rPr>
+              <a:t>De Morgan's laws</a:t>
+            </a:r>
+            <a:r>
               <a:rPr lang="en-US" sz="2800" dirty="0">
                 <a:effectLst/>
               </a:rPr>
-              <a:t>De Morgan's laws:	 </a:t>
+              <a:t>:	 </a:t>
             </a:r>
           </a:p>
           <a:p>
@@ -7950,10 +8069,16 @@
           </a:p>
           <a:p>
             <a:r>
+              <a:rPr lang="en-US" sz="2800" b="1" dirty="0">
+                <a:effectLst/>
+              </a:rPr>
+              <a:t>Absorption laws</a:t>
+            </a:r>
+            <a:r>
               <a:rPr lang="en-US" sz="2800" dirty="0">
                 <a:effectLst/>
               </a:rPr>
-              <a:t>Absorption laws:</a:t>
+              <a:t>:</a:t>
             </a:r>
           </a:p>
           <a:p>
@@ -7967,10 +8092,16 @@
           </a:p>
           <a:p>
             <a:r>
+              <a:rPr lang="en-US" sz="2800" b="1" dirty="0">
+                <a:effectLst/>
+              </a:rPr>
+              <a:t>Conditional identities</a:t>
+            </a:r>
+            <a:r>
               <a:rPr lang="en-US" sz="2800" dirty="0">
                 <a:effectLst/>
               </a:rPr>
-              <a:t>Conditional identities:</a:t>
+              <a:t>:</a:t>
             </a:r>
           </a:p>
           <a:p>
@@ -13892,7 +14023,23 @@
           <a:p>
             <a:r>
               <a:rPr lang="en-US" dirty="0"/>
-              <a:t>If s and r are two compound propositions, the notation s ≡ r is used to indicate that r and s are logically equivalent. </a:t>
+              <a:t>If s and r are two compound propositions, the notation </a:t>
+            </a:r>
+            <a:r>
+              <a:rPr lang="en-US" b="1" dirty="0"/>
+              <a:t>s ≡ r </a:t>
+            </a:r>
+            <a:r>
+              <a:rPr lang="en-US" dirty="0"/>
+              <a:t>is used to indicate that r and s are </a:t>
+            </a:r>
+            <a:r>
+              <a:rPr lang="en-US" b="1" u="sng" dirty="0"/>
+              <a:t>logically equivalent</a:t>
+            </a:r>
+            <a:r>
+              <a:rPr lang="en-US" dirty="0"/>
+              <a:t>. </a:t>
             </a:r>
           </a:p>
           <a:p>
@@ -14061,8 +14208,8 @@
           </a:p>
         </p:txBody>
       </p:sp>
-      <mc:AlternateContent xmlns:mc="http://schemas.openxmlformats.org/markup-compatibility/2006" xmlns:a14="http://schemas.microsoft.com/office/drawing/2010/main">
-        <mc:Choice Requires="a14">
+      <mc:AlternateContent xmlns:mc="http://schemas.openxmlformats.org/markup-compatibility/2006">
+        <mc:Choice xmlns:a14="http://schemas.microsoft.com/office/drawing/2010/main" Requires="a14">
           <p:sp>
             <p:nvSpPr>
               <p:cNvPr id="4" name="TextBox 3">
@@ -14078,7 +14225,7 @@
             <p:spPr>
               <a:xfrm>
                 <a:off x="2753249" y="2692958"/>
-                <a:ext cx="5866927" cy="369332"/>
+                <a:ext cx="5158720" cy="369332"/>
               </a:xfrm>
               <a:prstGeom prst="rect">
                 <a:avLst/>
@@ -14092,24 +14239,16 @@
               <a:lstStyle/>
               <a:p>
                 <a:r>
-                  <a:rPr lang="en-US" dirty="0"/>
-                  <a:t>Tautology. It is always </a:t>
-                </a:r>
-                <a:r>
                   <a:rPr lang="en-US" b="1" dirty="0"/>
-                  <a:t>true</a:t>
-                </a:r>
-                <a:r>
-                  <a:rPr lang="en-US" dirty="0"/>
-                  <a:t> no matter the value of </a:t>
+                  <a:t>Tautology. It is always true no matter the value of </a:t>
                 </a:r>
                 <a14:m>
                   <m:oMath xmlns:m="http://schemas.openxmlformats.org/officeDocument/2006/math">
                     <m:r>
-                      <a:rPr lang="en-US" b="0" i="1" smtClean="0">
+                      <a:rPr lang="en-US" b="1" i="1" smtClean="0">
                         <a:latin typeface="Cambria Math" panose="02040503050406030204" pitchFamily="18" charset="0"/>
                       </a:rPr>
-                      <m:t>𝑝</m:t>
+                      <m:t>𝒑</m:t>
                     </m:r>
                   </m:oMath>
                 </a14:m>
@@ -14121,7 +14260,7 @@
             </p:txBody>
           </p:sp>
         </mc:Choice>
-        <mc:Fallback xmlns="">
+        <mc:Fallback>
           <p:sp>
             <p:nvSpPr>
               <p:cNvPr id="4" name="TextBox 3">
@@ -14139,7 +14278,7 @@
             <p:spPr>
               <a:xfrm>
                 <a:off x="2753249" y="2692958"/>
-                <a:ext cx="5866927" cy="369332"/>
+                <a:ext cx="5158720" cy="369332"/>
               </a:xfrm>
               <a:prstGeom prst="rect">
                 <a:avLst/>
@@ -14147,7 +14286,7 @@
               <a:blipFill>
                 <a:blip r:embed="rId2"/>
                 <a:stretch>
-                  <a:fillRect l="-864" t="-10345" b="-31034"/>
+                  <a:fillRect l="-980" t="-10345" b="-31034"/>
                 </a:stretch>
               </a:blipFill>
             </p:spPr>
@@ -15888,8 +16027,2162 @@
           </a:p>
         </p:txBody>
       </p:sp>
+      <mc:AlternateContent xmlns:mc="http://schemas.openxmlformats.org/markup-compatibility/2006">
+        <mc:Choice xmlns:a14="http://schemas.microsoft.com/office/drawing/2010/main" Requires="a14">
+          <p:sp>
+            <p:nvSpPr>
+              <p:cNvPr id="3" name="Content Placeholder 2">
+                <a:extLst>
+                  <a:ext uri="{FF2B5EF4-FFF2-40B4-BE49-F238E27FC236}">
+                    <a16:creationId xmlns:a16="http://schemas.microsoft.com/office/drawing/2014/main" id="{D1667493-B257-4C41-8EA8-2F4182DA74B2}"/>
+                  </a:ext>
+                </a:extLst>
+              </p:cNvPr>
+              <p:cNvSpPr>
+                <a:spLocks noGrp="1"/>
+              </p:cNvSpPr>
+              <p:nvPr>
+                <p:ph idx="1"/>
+              </p:nvPr>
+            </p:nvSpPr>
+            <p:spPr/>
+            <p:txBody>
+              <a:bodyPr>
+                <a:normAutofit/>
+              </a:bodyPr>
+              <a:lstStyle/>
+              <a:p>
+                <a:pPr marL="0" indent="0">
+                  <a:buNone/>
+                </a:pPr>
+                <a:r>
+                  <a:rPr lang="en-US" sz="2800" dirty="0"/>
+                  <a:t>De Morgan’s laws for logic state:</a:t>
+                </a:r>
+              </a:p>
+              <a:p>
+                <a:pPr marL="0" indent="0">
+                  <a:buNone/>
+                </a:pPr>
+                <a:r>
+                  <a:rPr lang="en-US" sz="2800" i="1" dirty="0"/>
+                  <a:t>The negation of a conjunction is the disjunction of negations; likewise, the negation of a disjunction is the conjunction of negations.</a:t>
+                </a:r>
+              </a:p>
+              <a:p>
+                <a:pPr marL="0" indent="0">
+                  <a:buNone/>
+                </a:pPr>
+                <a:endParaRPr lang="en-US" sz="2800" b="0" i="1" dirty="0">
+                  <a:latin typeface="Cambria Math" panose="02040503050406030204" pitchFamily="18" charset="0"/>
+                </a:endParaRPr>
+              </a:p>
+              <a:p>
+                <a:pPr marL="0" indent="0">
+                  <a:buNone/>
+                </a:pPr>
+                <a14:m>
+                  <m:oMathPara xmlns:m="http://schemas.openxmlformats.org/officeDocument/2006/math">
+                    <m:oMathParaPr>
+                      <m:jc m:val="centerGroup"/>
+                    </m:oMathParaPr>
+                    <m:oMath xmlns:m="http://schemas.openxmlformats.org/officeDocument/2006/math">
+                      <m:r>
+                        <a:rPr lang="en-US" sz="2800" b="1" i="1" smtClean="0">
+                          <a:latin typeface="Cambria Math" panose="02040503050406030204" pitchFamily="18" charset="0"/>
+                        </a:rPr>
+                        <m:t>¬</m:t>
+                      </m:r>
+                      <m:d>
+                        <m:dPr>
+                          <m:ctrlPr>
+                            <a:rPr lang="en-US" sz="2800" b="1" i="1" smtClean="0">
+                              <a:latin typeface="Cambria Math" panose="02040503050406030204" pitchFamily="18" charset="0"/>
+                            </a:rPr>
+                          </m:ctrlPr>
+                        </m:dPr>
+                        <m:e>
+                          <m:r>
+                            <a:rPr lang="en-US" sz="2800" b="1" i="1" smtClean="0">
+                              <a:latin typeface="Cambria Math" panose="02040503050406030204" pitchFamily="18" charset="0"/>
+                            </a:rPr>
+                            <m:t>𝒑</m:t>
+                          </m:r>
+                          <m:r>
+                            <a:rPr lang="en-US" sz="2800" b="1" i="1" smtClean="0">
+                              <a:latin typeface="Cambria Math" panose="02040503050406030204" pitchFamily="18" charset="0"/>
+                            </a:rPr>
+                            <m:t>∧</m:t>
+                          </m:r>
+                          <m:r>
+                            <a:rPr lang="en-US" sz="2800" b="1" i="1" smtClean="0">
+                              <a:latin typeface="Cambria Math" panose="02040503050406030204" pitchFamily="18" charset="0"/>
+                            </a:rPr>
+                            <m:t>𝒒</m:t>
+                          </m:r>
+                        </m:e>
+                      </m:d>
+                      <m:r>
+                        <a:rPr lang="en-US" sz="2800" b="1" i="1" smtClean="0">
+                          <a:latin typeface="Cambria Math" panose="02040503050406030204" pitchFamily="18" charset="0"/>
+                        </a:rPr>
+                        <m:t>≡¬</m:t>
+                      </m:r>
+                      <m:r>
+                        <a:rPr lang="en-US" sz="2800" b="1" i="1" smtClean="0">
+                          <a:latin typeface="Cambria Math" panose="02040503050406030204" pitchFamily="18" charset="0"/>
+                        </a:rPr>
+                        <m:t>𝒑</m:t>
+                      </m:r>
+                      <m:r>
+                        <a:rPr lang="en-US" sz="2800" b="1" i="1" smtClean="0">
+                          <a:latin typeface="Cambria Math" panose="02040503050406030204" pitchFamily="18" charset="0"/>
+                        </a:rPr>
+                        <m:t>∨¬</m:t>
+                      </m:r>
+                      <m:r>
+                        <a:rPr lang="en-US" sz="2800" b="1" i="1" smtClean="0">
+                          <a:latin typeface="Cambria Math" panose="02040503050406030204" pitchFamily="18" charset="0"/>
+                        </a:rPr>
+                        <m:t>𝒒</m:t>
+                      </m:r>
+                    </m:oMath>
+                  </m:oMathPara>
+                </a14:m>
+                <a:endParaRPr lang="en-US" sz="2800" b="1" i="1" dirty="0"/>
+              </a:p>
+              <a:p>
+                <a:pPr marL="0" indent="0">
+                  <a:buNone/>
+                </a:pPr>
+                <a:endParaRPr lang="en-US" sz="2800" b="0" i="1" dirty="0">
+                  <a:latin typeface="Cambria Math" panose="02040503050406030204" pitchFamily="18" charset="0"/>
+                </a:endParaRPr>
+              </a:p>
+              <a:p>
+                <a:pPr marL="0" indent="0">
+                  <a:buNone/>
+                </a:pPr>
+                <a:endParaRPr lang="en-US" sz="2800" b="0" i="1" dirty="0">
+                  <a:latin typeface="Cambria Math" panose="02040503050406030204" pitchFamily="18" charset="0"/>
+                </a:endParaRPr>
+              </a:p>
+              <a:p>
+                <a:pPr marL="0" indent="0">
+                  <a:buNone/>
+                </a:pPr>
+                <a:endParaRPr lang="en-US" sz="2800" b="0" i="1" dirty="0">
+                  <a:latin typeface="Cambria Math" panose="02040503050406030204" pitchFamily="18" charset="0"/>
+                </a:endParaRPr>
+              </a:p>
+              <a:p>
+                <a:pPr marL="0" indent="0">
+                  <a:buNone/>
+                </a:pPr>
+                <a14:m>
+                  <m:oMathPara xmlns:m="http://schemas.openxmlformats.org/officeDocument/2006/math">
+                    <m:oMathParaPr>
+                      <m:jc m:val="centerGroup"/>
+                    </m:oMathParaPr>
+                    <m:oMath xmlns:m="http://schemas.openxmlformats.org/officeDocument/2006/math">
+                      <m:r>
+                        <a:rPr lang="en-US" sz="2800" b="0" i="1" smtClean="0">
+                          <a:latin typeface="Cambria Math" panose="02040503050406030204" pitchFamily="18" charset="0"/>
+                        </a:rPr>
+                        <m:t>¬</m:t>
+                      </m:r>
+                      <m:d>
+                        <m:dPr>
+                          <m:ctrlPr>
+                            <a:rPr lang="en-US" sz="2800" i="1" smtClean="0">
+                              <a:latin typeface="Cambria Math" panose="02040503050406030204" pitchFamily="18" charset="0"/>
+                            </a:rPr>
+                          </m:ctrlPr>
+                        </m:dPr>
+                        <m:e>
+                          <m:r>
+                            <a:rPr lang="en-US" sz="2800" b="0" i="1" smtClean="0">
+                              <a:latin typeface="Cambria Math" panose="02040503050406030204" pitchFamily="18" charset="0"/>
+                            </a:rPr>
+                            <m:t>𝑝</m:t>
+                          </m:r>
+                          <m:r>
+                            <a:rPr lang="en-US" sz="2800" b="0" i="1" smtClean="0">
+                              <a:latin typeface="Cambria Math" panose="02040503050406030204" pitchFamily="18" charset="0"/>
+                            </a:rPr>
+                            <m:t>∨</m:t>
+                          </m:r>
+                          <m:r>
+                            <a:rPr lang="en-US" sz="2800" b="0" i="1" smtClean="0">
+                              <a:latin typeface="Cambria Math" panose="02040503050406030204" pitchFamily="18" charset="0"/>
+                            </a:rPr>
+                            <m:t>𝑞</m:t>
+                          </m:r>
+                        </m:e>
+                      </m:d>
+                      <m:r>
+                        <a:rPr lang="en-US" sz="2800" b="0" i="1" smtClean="0">
+                          <a:latin typeface="Cambria Math" panose="02040503050406030204" pitchFamily="18" charset="0"/>
+                        </a:rPr>
+                        <m:t>≡¬</m:t>
+                      </m:r>
+                      <m:r>
+                        <a:rPr lang="en-US" sz="2800" b="0" i="1" smtClean="0">
+                          <a:latin typeface="Cambria Math" panose="02040503050406030204" pitchFamily="18" charset="0"/>
+                        </a:rPr>
+                        <m:t>𝑝</m:t>
+                      </m:r>
+                      <m:r>
+                        <a:rPr lang="en-US" sz="2800" b="0" i="1" smtClean="0">
+                          <a:latin typeface="Cambria Math" panose="02040503050406030204" pitchFamily="18" charset="0"/>
+                        </a:rPr>
+                        <m:t>∧¬</m:t>
+                      </m:r>
+                      <m:r>
+                        <a:rPr lang="en-US" sz="2800" b="0" i="1" smtClean="0">
+                          <a:latin typeface="Cambria Math" panose="02040503050406030204" pitchFamily="18" charset="0"/>
+                        </a:rPr>
+                        <m:t>𝑞</m:t>
+                      </m:r>
+                    </m:oMath>
+                  </m:oMathPara>
+                </a14:m>
+                <a:endParaRPr lang="en-US" sz="2800" i="1" dirty="0"/>
+              </a:p>
+              <a:p>
+                <a:pPr marL="0" indent="0">
+                  <a:buNone/>
+                </a:pPr>
+                <a:endParaRPr lang="en-US" sz="2800" i="1" dirty="0"/>
+              </a:p>
+            </p:txBody>
+          </p:sp>
+        </mc:Choice>
+        <mc:Fallback>
+          <p:sp>
+            <p:nvSpPr>
+              <p:cNvPr id="3" name="Content Placeholder 2">
+                <a:extLst>
+                  <a:ext uri="{FF2B5EF4-FFF2-40B4-BE49-F238E27FC236}">
+                    <a16:creationId xmlns:a16="http://schemas.microsoft.com/office/drawing/2014/main" id="{D1667493-B257-4C41-8EA8-2F4182DA74B2}"/>
+                  </a:ext>
+                </a:extLst>
+              </p:cNvPr>
+              <p:cNvSpPr>
+                <a:spLocks noGrp="1" noRot="1" noChangeAspect="1" noMove="1" noResize="1" noEditPoints="1" noAdjustHandles="1" noChangeArrowheads="1" noChangeShapeType="1" noTextEdit="1"/>
+              </p:cNvSpPr>
+              <p:nvPr>
+                <p:ph idx="1"/>
+              </p:nvPr>
+            </p:nvSpPr>
+            <p:spPr>
+              <a:blipFill>
+                <a:blip r:embed="rId3"/>
+                <a:stretch>
+                  <a:fillRect l="-1206" t="-2326"/>
+                </a:stretch>
+              </a:blipFill>
+            </p:spPr>
+            <p:txBody>
+              <a:bodyPr/>
+              <a:lstStyle/>
+              <a:p>
+                <a:r>
+                  <a:rPr lang="en-US">
+                    <a:noFill/>
+                  </a:rPr>
+                  <a:t> </a:t>
+                </a:r>
+              </a:p>
+            </p:txBody>
+          </p:sp>
+        </mc:Fallback>
+      </mc:AlternateContent>
+      <p:pic>
+        <p:nvPicPr>
+          <p:cNvPr id="1026" name="Picture 2" descr="De Morgan's laws - Wikipedia">
+            <a:extLst>
+              <a:ext uri="{FF2B5EF4-FFF2-40B4-BE49-F238E27FC236}">
+                <a16:creationId xmlns:a16="http://schemas.microsoft.com/office/drawing/2014/main" id="{25DF1078-CB88-6CFF-CECE-00C86DC961D2}"/>
+              </a:ext>
+            </a:extLst>
+          </p:cNvPr>
+          <p:cNvPicPr>
+            <a:picLocks noChangeAspect="1" noChangeArrowheads="1"/>
+          </p:cNvPicPr>
+          <p:nvPr/>
+        </p:nvPicPr>
+        <p:blipFill>
+          <a:blip r:embed="rId4">
+            <a:extLst>
+              <a:ext uri="{28A0092B-C50C-407E-A947-70E740481C1C}">
+                <a14:useLocalDpi xmlns:a14="http://schemas.microsoft.com/office/drawing/2010/main" val="0"/>
+              </a:ext>
+            </a:extLst>
+          </a:blip>
+          <a:srcRect/>
+          <a:stretch>
+            <a:fillRect/>
+          </a:stretch>
+        </p:blipFill>
+        <p:spPr bwMode="auto">
+          <a:xfrm>
+            <a:off x="9002776" y="3136900"/>
+            <a:ext cx="2794000" cy="3721100"/>
+          </a:xfrm>
+          <a:prstGeom prst="rect">
+            <a:avLst/>
+          </a:prstGeom>
+          <a:noFill/>
+          <a:extLst>
+            <a:ext uri="{909E8E84-426E-40DD-AFC4-6F175D3DCCD1}">
+              <a14:hiddenFill xmlns:a14="http://schemas.microsoft.com/office/drawing/2010/main">
+                <a:solidFill>
+                  <a:srgbClr val="FFFFFF"/>
+                </a:solidFill>
+              </a14:hiddenFill>
+            </a:ext>
+          </a:extLst>
+        </p:spPr>
+      </p:pic>
       <mc:AlternateContent xmlns:mc="http://schemas.openxmlformats.org/markup-compatibility/2006" xmlns:a14="http://schemas.microsoft.com/office/drawing/2010/main">
         <mc:Choice Requires="a14">
+          <p:graphicFrame>
+            <p:nvGraphicFramePr>
+              <p:cNvPr id="4" name="Table 4">
+                <a:extLst>
+                  <a:ext uri="{FF2B5EF4-FFF2-40B4-BE49-F238E27FC236}">
+                    <a16:creationId xmlns:a16="http://schemas.microsoft.com/office/drawing/2014/main" id="{9D2E8C8B-ED2C-CC32-31FA-467877A412BC}"/>
+                  </a:ext>
+                </a:extLst>
+              </p:cNvPr>
+              <p:cNvGraphicFramePr>
+                <a:graphicFrameLocks noGrp="1"/>
+              </p:cNvGraphicFramePr>
+              <p:nvPr>
+                <p:extLst>
+                  <p:ext uri="{D42A27DB-BD31-4B8C-83A1-F6EECF244321}">
+                    <p14:modId xmlns:p14="http://schemas.microsoft.com/office/powerpoint/2010/main" val="1043948090"/>
+                  </p:ext>
+                </p:extLst>
+              </p:nvPr>
+            </p:nvGraphicFramePr>
+            <p:xfrm>
+              <a:off x="253281" y="2795587"/>
+              <a:ext cx="2856992" cy="1854200"/>
+            </p:xfrm>
+            <a:graphic>
+              <a:graphicData uri="http://schemas.openxmlformats.org/drawingml/2006/table">
+                <a:tbl>
+                  <a:tblPr firstRow="1" bandRow="1">
+                    <a:tableStyleId>{5C22544A-7EE6-4342-B048-85BDC9FD1C3A}</a:tableStyleId>
+                  </a:tblPr>
+                  <a:tblGrid>
+                    <a:gridCol w="276280">
+                      <a:extLst>
+                        <a:ext uri="{9D8B030D-6E8A-4147-A177-3AD203B41FA5}">
+                          <a16:colId xmlns:a16="http://schemas.microsoft.com/office/drawing/2014/main" val="307721341"/>
+                        </a:ext>
+                      </a:extLst>
+                    </a:gridCol>
+                    <a:gridCol w="357909">
+                      <a:extLst>
+                        <a:ext uri="{9D8B030D-6E8A-4147-A177-3AD203B41FA5}">
+                          <a16:colId xmlns:a16="http://schemas.microsoft.com/office/drawing/2014/main" val="3920982122"/>
+                        </a:ext>
+                      </a:extLst>
+                    </a:gridCol>
+                    <a:gridCol w="918258">
+                      <a:extLst>
+                        <a:ext uri="{9D8B030D-6E8A-4147-A177-3AD203B41FA5}">
+                          <a16:colId xmlns:a16="http://schemas.microsoft.com/office/drawing/2014/main" val="1258310372"/>
+                        </a:ext>
+                      </a:extLst>
+                    </a:gridCol>
+                    <a:gridCol w="1304545">
+                      <a:extLst>
+                        <a:ext uri="{9D8B030D-6E8A-4147-A177-3AD203B41FA5}">
+                          <a16:colId xmlns:a16="http://schemas.microsoft.com/office/drawing/2014/main" val="3818911712"/>
+                        </a:ext>
+                      </a:extLst>
+                    </a:gridCol>
+                  </a:tblGrid>
+                  <a:tr h="370840">
+                    <a:tc>
+                      <a:txBody>
+                        <a:bodyPr/>
+                        <a:lstStyle/>
+                        <a:p>
+                          <a:r>
+                            <a:rPr lang="en-US" b="0" dirty="0"/>
+                            <a:t>P</a:t>
+                          </a:r>
+                        </a:p>
+                      </a:txBody>
+                      <a:tcPr/>
+                    </a:tc>
+                    <a:tc>
+                      <a:txBody>
+                        <a:bodyPr/>
+                        <a:lstStyle/>
+                        <a:p>
+                          <a:r>
+                            <a:rPr lang="en-US" b="0" dirty="0"/>
+                            <a:t>Q</a:t>
+                          </a:r>
+                        </a:p>
+                      </a:txBody>
+                      <a:tcPr/>
+                    </a:tc>
+                    <a:tc>
+                      <a:txBody>
+                        <a:bodyPr/>
+                        <a:lstStyle/>
+                        <a:p>
+                          <a:r>
+                            <a:rPr lang="en-US" b="0" dirty="0"/>
+                            <a:t>(P</a:t>
+                          </a:r>
+                          <a14:m>
+                            <m:oMath xmlns:m="http://schemas.openxmlformats.org/officeDocument/2006/math">
+                              <m:r>
+                                <a:rPr lang="en-US" sz="1800" b="0" i="1" smtClean="0">
+                                  <a:latin typeface="Cambria Math" panose="02040503050406030204" pitchFamily="18" charset="0"/>
+                                </a:rPr>
+                                <m:t>∧</m:t>
+                              </m:r>
+                              <m:r>
+                                <m:rPr>
+                                  <m:sty m:val="p"/>
+                                </m:rPr>
+                                <a:rPr lang="en-US" sz="1800" b="0" i="0" smtClean="0">
+                                  <a:latin typeface="Cambria Math" panose="02040503050406030204" pitchFamily="18" charset="0"/>
+                                </a:rPr>
+                                <m:t>Q</m:t>
+                              </m:r>
+                              <m:r>
+                                <a:rPr lang="en-US" sz="1800" b="0" i="0" smtClean="0">
+                                  <a:latin typeface="Cambria Math" panose="02040503050406030204" pitchFamily="18" charset="0"/>
+                                </a:rPr>
+                                <m:t>)</m:t>
+                              </m:r>
+                            </m:oMath>
+                          </a14:m>
+                          <a:endParaRPr lang="en-US" b="0" dirty="0"/>
+                        </a:p>
+                      </a:txBody>
+                      <a:tcPr/>
+                    </a:tc>
+                    <a:tc>
+                      <a:txBody>
+                        <a:bodyPr/>
+                        <a:lstStyle/>
+                        <a:p>
+                          <a14:m>
+                            <m:oMath xmlns:m="http://schemas.openxmlformats.org/officeDocument/2006/math">
+                              <m:r>
+                                <a:rPr lang="en-US" sz="1800" b="0" i="1" smtClean="0">
+                                  <a:latin typeface="Cambria Math" panose="02040503050406030204" pitchFamily="18" charset="0"/>
+                                </a:rPr>
+                                <m:t>¬</m:t>
+                              </m:r>
+                            </m:oMath>
+                          </a14:m>
+                          <a:r>
+                            <a:rPr lang="en-US" dirty="0"/>
+                            <a:t>(P</a:t>
+                          </a:r>
+                          <a14:m>
+                            <m:oMath xmlns:m="http://schemas.openxmlformats.org/officeDocument/2006/math">
+                              <m:r>
+                                <a:rPr lang="en-US" sz="1800" b="0" i="1" smtClean="0">
+                                  <a:latin typeface="Cambria Math" panose="02040503050406030204" pitchFamily="18" charset="0"/>
+                                </a:rPr>
+                                <m:t>∧</m:t>
+                              </m:r>
+                              <m:r>
+                                <a:rPr lang="en-US" sz="1800" b="1" i="0" smtClean="0">
+                                  <a:latin typeface="Cambria Math" panose="02040503050406030204" pitchFamily="18" charset="0"/>
+                                </a:rPr>
+                                <m:t>𝐐</m:t>
+                              </m:r>
+                            </m:oMath>
+                          </a14:m>
+                          <a:r>
+                            <a:rPr lang="en-US" dirty="0"/>
+                            <a:t>)</a:t>
+                          </a:r>
+                        </a:p>
+                      </a:txBody>
+                      <a:tcPr/>
+                    </a:tc>
+                    <a:extLst>
+                      <a:ext uri="{0D108BD9-81ED-4DB2-BD59-A6C34878D82A}">
+                        <a16:rowId xmlns:a16="http://schemas.microsoft.com/office/drawing/2014/main" val="2177869094"/>
+                      </a:ext>
+                    </a:extLst>
+                  </a:tr>
+                  <a:tr h="370840">
+                    <a:tc>
+                      <a:txBody>
+                        <a:bodyPr/>
+                        <a:lstStyle/>
+                        <a:p>
+                          <a:r>
+                            <a:rPr lang="en-US" dirty="0"/>
+                            <a:t>T</a:t>
+                          </a:r>
+                        </a:p>
+                      </a:txBody>
+                      <a:tcPr/>
+                    </a:tc>
+                    <a:tc>
+                      <a:txBody>
+                        <a:bodyPr/>
+                        <a:lstStyle/>
+                        <a:p>
+                          <a:r>
+                            <a:rPr lang="en-US" dirty="0"/>
+                            <a:t>T</a:t>
+                          </a:r>
+                        </a:p>
+                      </a:txBody>
+                      <a:tcPr/>
+                    </a:tc>
+                    <a:tc>
+                      <a:txBody>
+                        <a:bodyPr/>
+                        <a:lstStyle/>
+                        <a:p>
+                          <a:r>
+                            <a:rPr lang="en-US" dirty="0"/>
+                            <a:t>T</a:t>
+                          </a:r>
+                        </a:p>
+                      </a:txBody>
+                      <a:tcPr/>
+                    </a:tc>
+                    <a:tc>
+                      <a:txBody>
+                        <a:bodyPr/>
+                        <a:lstStyle/>
+                        <a:p>
+                          <a:r>
+                            <a:rPr lang="en-US" dirty="0"/>
+                            <a:t>F</a:t>
+                          </a:r>
+                        </a:p>
+                      </a:txBody>
+                      <a:tcPr/>
+                    </a:tc>
+                    <a:extLst>
+                      <a:ext uri="{0D108BD9-81ED-4DB2-BD59-A6C34878D82A}">
+                        <a16:rowId xmlns:a16="http://schemas.microsoft.com/office/drawing/2014/main" val="84263792"/>
+                      </a:ext>
+                    </a:extLst>
+                  </a:tr>
+                  <a:tr h="370840">
+                    <a:tc>
+                      <a:txBody>
+                        <a:bodyPr/>
+                        <a:lstStyle/>
+                        <a:p>
+                          <a:r>
+                            <a:rPr lang="en-US" dirty="0"/>
+                            <a:t>T</a:t>
+                          </a:r>
+                        </a:p>
+                      </a:txBody>
+                      <a:tcPr/>
+                    </a:tc>
+                    <a:tc>
+                      <a:txBody>
+                        <a:bodyPr/>
+                        <a:lstStyle/>
+                        <a:p>
+                          <a:r>
+                            <a:rPr lang="en-US" dirty="0"/>
+                            <a:t>F</a:t>
+                          </a:r>
+                        </a:p>
+                      </a:txBody>
+                      <a:tcPr/>
+                    </a:tc>
+                    <a:tc>
+                      <a:txBody>
+                        <a:bodyPr/>
+                        <a:lstStyle/>
+                        <a:p>
+                          <a:r>
+                            <a:rPr lang="en-US" dirty="0"/>
+                            <a:t>F</a:t>
+                          </a:r>
+                        </a:p>
+                      </a:txBody>
+                      <a:tcPr/>
+                    </a:tc>
+                    <a:tc>
+                      <a:txBody>
+                        <a:bodyPr/>
+                        <a:lstStyle/>
+                        <a:p>
+                          <a:r>
+                            <a:rPr lang="en-US" dirty="0"/>
+                            <a:t>T</a:t>
+                          </a:r>
+                        </a:p>
+                      </a:txBody>
+                      <a:tcPr/>
+                    </a:tc>
+                    <a:extLst>
+                      <a:ext uri="{0D108BD9-81ED-4DB2-BD59-A6C34878D82A}">
+                        <a16:rowId xmlns:a16="http://schemas.microsoft.com/office/drawing/2014/main" val="1886505781"/>
+                      </a:ext>
+                    </a:extLst>
+                  </a:tr>
+                  <a:tr h="370840">
+                    <a:tc>
+                      <a:txBody>
+                        <a:bodyPr/>
+                        <a:lstStyle/>
+                        <a:p>
+                          <a:r>
+                            <a:rPr lang="en-US" dirty="0"/>
+                            <a:t>F</a:t>
+                          </a:r>
+                        </a:p>
+                      </a:txBody>
+                      <a:tcPr/>
+                    </a:tc>
+                    <a:tc>
+                      <a:txBody>
+                        <a:bodyPr/>
+                        <a:lstStyle/>
+                        <a:p>
+                          <a:r>
+                            <a:rPr lang="en-US" dirty="0"/>
+                            <a:t>T</a:t>
+                          </a:r>
+                        </a:p>
+                      </a:txBody>
+                      <a:tcPr/>
+                    </a:tc>
+                    <a:tc>
+                      <a:txBody>
+                        <a:bodyPr/>
+                        <a:lstStyle/>
+                        <a:p>
+                          <a:r>
+                            <a:rPr lang="en-US" dirty="0"/>
+                            <a:t>F</a:t>
+                          </a:r>
+                        </a:p>
+                      </a:txBody>
+                      <a:tcPr/>
+                    </a:tc>
+                    <a:tc>
+                      <a:txBody>
+                        <a:bodyPr/>
+                        <a:lstStyle/>
+                        <a:p>
+                          <a:r>
+                            <a:rPr lang="en-US" dirty="0"/>
+                            <a:t>T</a:t>
+                          </a:r>
+                        </a:p>
+                      </a:txBody>
+                      <a:tcPr/>
+                    </a:tc>
+                    <a:extLst>
+                      <a:ext uri="{0D108BD9-81ED-4DB2-BD59-A6C34878D82A}">
+                        <a16:rowId xmlns:a16="http://schemas.microsoft.com/office/drawing/2014/main" val="2824165101"/>
+                      </a:ext>
+                    </a:extLst>
+                  </a:tr>
+                  <a:tr h="370840">
+                    <a:tc>
+                      <a:txBody>
+                        <a:bodyPr/>
+                        <a:lstStyle/>
+                        <a:p>
+                          <a:r>
+                            <a:rPr lang="en-US" dirty="0"/>
+                            <a:t>F</a:t>
+                          </a:r>
+                        </a:p>
+                      </a:txBody>
+                      <a:tcPr/>
+                    </a:tc>
+                    <a:tc>
+                      <a:txBody>
+                        <a:bodyPr/>
+                        <a:lstStyle/>
+                        <a:p>
+                          <a:r>
+                            <a:rPr lang="en-US" dirty="0"/>
+                            <a:t>F</a:t>
+                          </a:r>
+                        </a:p>
+                      </a:txBody>
+                      <a:tcPr/>
+                    </a:tc>
+                    <a:tc>
+                      <a:txBody>
+                        <a:bodyPr/>
+                        <a:lstStyle/>
+                        <a:p>
+                          <a:r>
+                            <a:rPr lang="en-US" dirty="0"/>
+                            <a:t>F</a:t>
+                          </a:r>
+                        </a:p>
+                      </a:txBody>
+                      <a:tcPr/>
+                    </a:tc>
+                    <a:tc>
+                      <a:txBody>
+                        <a:bodyPr/>
+                        <a:lstStyle/>
+                        <a:p>
+                          <a:r>
+                            <a:rPr lang="en-US" dirty="0"/>
+                            <a:t>T</a:t>
+                          </a:r>
+                        </a:p>
+                      </a:txBody>
+                      <a:tcPr/>
+                    </a:tc>
+                    <a:extLst>
+                      <a:ext uri="{0D108BD9-81ED-4DB2-BD59-A6C34878D82A}">
+                        <a16:rowId xmlns:a16="http://schemas.microsoft.com/office/drawing/2014/main" val="885008832"/>
+                      </a:ext>
+                    </a:extLst>
+                  </a:tr>
+                </a:tbl>
+              </a:graphicData>
+            </a:graphic>
+          </p:graphicFrame>
+        </mc:Choice>
+        <mc:Fallback xmlns="">
+          <p:graphicFrame>
+            <p:nvGraphicFramePr>
+              <p:cNvPr id="4" name="Table 4">
+                <a:extLst>
+                  <a:ext uri="{FF2B5EF4-FFF2-40B4-BE49-F238E27FC236}">
+                    <a16:creationId xmlns:a16="http://schemas.microsoft.com/office/drawing/2014/main" id="{9D2E8C8B-ED2C-CC32-31FA-467877A412BC}"/>
+                  </a:ext>
+                </a:extLst>
+              </p:cNvPr>
+              <p:cNvGraphicFramePr>
+                <a:graphicFrameLocks noGrp="1"/>
+              </p:cNvGraphicFramePr>
+              <p:nvPr>
+                <p:extLst>
+                  <p:ext uri="{D42A27DB-BD31-4B8C-83A1-F6EECF244321}">
+                    <p14:modId xmlns:p14="http://schemas.microsoft.com/office/powerpoint/2010/main" val="1043948090"/>
+                  </p:ext>
+                </p:extLst>
+              </p:nvPr>
+            </p:nvGraphicFramePr>
+            <p:xfrm>
+              <a:off x="253281" y="2795587"/>
+              <a:ext cx="2856992" cy="1854200"/>
+            </p:xfrm>
+            <a:graphic>
+              <a:graphicData uri="http://schemas.openxmlformats.org/drawingml/2006/table">
+                <a:tbl>
+                  <a:tblPr firstRow="1" bandRow="1">
+                    <a:tableStyleId>{5C22544A-7EE6-4342-B048-85BDC9FD1C3A}</a:tableStyleId>
+                  </a:tblPr>
+                  <a:tblGrid>
+                    <a:gridCol w="276280">
+                      <a:extLst>
+                        <a:ext uri="{9D8B030D-6E8A-4147-A177-3AD203B41FA5}">
+                          <a16:colId xmlns:a16="http://schemas.microsoft.com/office/drawing/2014/main" val="307721341"/>
+                        </a:ext>
+                      </a:extLst>
+                    </a:gridCol>
+                    <a:gridCol w="357909">
+                      <a:extLst>
+                        <a:ext uri="{9D8B030D-6E8A-4147-A177-3AD203B41FA5}">
+                          <a16:colId xmlns:a16="http://schemas.microsoft.com/office/drawing/2014/main" val="3920982122"/>
+                        </a:ext>
+                      </a:extLst>
+                    </a:gridCol>
+                    <a:gridCol w="918258">
+                      <a:extLst>
+                        <a:ext uri="{9D8B030D-6E8A-4147-A177-3AD203B41FA5}">
+                          <a16:colId xmlns:a16="http://schemas.microsoft.com/office/drawing/2014/main" val="1258310372"/>
+                        </a:ext>
+                      </a:extLst>
+                    </a:gridCol>
+                    <a:gridCol w="1304545">
+                      <a:extLst>
+                        <a:ext uri="{9D8B030D-6E8A-4147-A177-3AD203B41FA5}">
+                          <a16:colId xmlns:a16="http://schemas.microsoft.com/office/drawing/2014/main" val="3818911712"/>
+                        </a:ext>
+                      </a:extLst>
+                    </a:gridCol>
+                  </a:tblGrid>
+                  <a:tr h="370840">
+                    <a:tc>
+                      <a:txBody>
+                        <a:bodyPr/>
+                        <a:lstStyle/>
+                        <a:p>
+                          <a:r>
+                            <a:rPr lang="en-US" b="0" dirty="0"/>
+                            <a:t>P</a:t>
+                          </a:r>
+                        </a:p>
+                      </a:txBody>
+                      <a:tcPr/>
+                    </a:tc>
+                    <a:tc>
+                      <a:txBody>
+                        <a:bodyPr/>
+                        <a:lstStyle/>
+                        <a:p>
+                          <a:r>
+                            <a:rPr lang="en-US" b="0" dirty="0"/>
+                            <a:t>Q</a:t>
+                          </a:r>
+                        </a:p>
+                      </a:txBody>
+                      <a:tcPr/>
+                    </a:tc>
+                    <a:tc>
+                      <a:txBody>
+                        <a:bodyPr/>
+                        <a:lstStyle/>
+                        <a:p>
+                          <a:endParaRPr lang="en-US"/>
+                        </a:p>
+                      </a:txBody>
+                      <a:tcPr>
+                        <a:blipFill>
+                          <a:blip r:embed="rId5"/>
+                          <a:stretch>
+                            <a:fillRect l="-68493" t="-10345" r="-145205" b="-431034"/>
+                          </a:stretch>
+                        </a:blipFill>
+                      </a:tcPr>
+                    </a:tc>
+                    <a:tc>
+                      <a:txBody>
+                        <a:bodyPr/>
+                        <a:lstStyle/>
+                        <a:p>
+                          <a:endParaRPr lang="en-US"/>
+                        </a:p>
+                      </a:txBody>
+                      <a:tcPr>
+                        <a:blipFill>
+                          <a:blip r:embed="rId5"/>
+                          <a:stretch>
+                            <a:fillRect l="-119417" t="-10345" r="-2913" b="-431034"/>
+                          </a:stretch>
+                        </a:blipFill>
+                      </a:tcPr>
+                    </a:tc>
+                    <a:extLst>
+                      <a:ext uri="{0D108BD9-81ED-4DB2-BD59-A6C34878D82A}">
+                        <a16:rowId xmlns:a16="http://schemas.microsoft.com/office/drawing/2014/main" val="2177869094"/>
+                      </a:ext>
+                    </a:extLst>
+                  </a:tr>
+                  <a:tr h="370840">
+                    <a:tc>
+                      <a:txBody>
+                        <a:bodyPr/>
+                        <a:lstStyle/>
+                        <a:p>
+                          <a:r>
+                            <a:rPr lang="en-US" dirty="0"/>
+                            <a:t>T</a:t>
+                          </a:r>
+                        </a:p>
+                      </a:txBody>
+                      <a:tcPr/>
+                    </a:tc>
+                    <a:tc>
+                      <a:txBody>
+                        <a:bodyPr/>
+                        <a:lstStyle/>
+                        <a:p>
+                          <a:r>
+                            <a:rPr lang="en-US" dirty="0"/>
+                            <a:t>T</a:t>
+                          </a:r>
+                        </a:p>
+                      </a:txBody>
+                      <a:tcPr/>
+                    </a:tc>
+                    <a:tc>
+                      <a:txBody>
+                        <a:bodyPr/>
+                        <a:lstStyle/>
+                        <a:p>
+                          <a:r>
+                            <a:rPr lang="en-US" dirty="0"/>
+                            <a:t>T</a:t>
+                          </a:r>
+                        </a:p>
+                      </a:txBody>
+                      <a:tcPr/>
+                    </a:tc>
+                    <a:tc>
+                      <a:txBody>
+                        <a:bodyPr/>
+                        <a:lstStyle/>
+                        <a:p>
+                          <a:r>
+                            <a:rPr lang="en-US" dirty="0"/>
+                            <a:t>F</a:t>
+                          </a:r>
+                        </a:p>
+                      </a:txBody>
+                      <a:tcPr/>
+                    </a:tc>
+                    <a:extLst>
+                      <a:ext uri="{0D108BD9-81ED-4DB2-BD59-A6C34878D82A}">
+                        <a16:rowId xmlns:a16="http://schemas.microsoft.com/office/drawing/2014/main" val="84263792"/>
+                      </a:ext>
+                    </a:extLst>
+                  </a:tr>
+                  <a:tr h="370840">
+                    <a:tc>
+                      <a:txBody>
+                        <a:bodyPr/>
+                        <a:lstStyle/>
+                        <a:p>
+                          <a:r>
+                            <a:rPr lang="en-US" dirty="0"/>
+                            <a:t>T</a:t>
+                          </a:r>
+                        </a:p>
+                      </a:txBody>
+                      <a:tcPr/>
+                    </a:tc>
+                    <a:tc>
+                      <a:txBody>
+                        <a:bodyPr/>
+                        <a:lstStyle/>
+                        <a:p>
+                          <a:r>
+                            <a:rPr lang="en-US" dirty="0"/>
+                            <a:t>F</a:t>
+                          </a:r>
+                        </a:p>
+                      </a:txBody>
+                      <a:tcPr/>
+                    </a:tc>
+                    <a:tc>
+                      <a:txBody>
+                        <a:bodyPr/>
+                        <a:lstStyle/>
+                        <a:p>
+                          <a:r>
+                            <a:rPr lang="en-US" dirty="0"/>
+                            <a:t>F</a:t>
+                          </a:r>
+                        </a:p>
+                      </a:txBody>
+                      <a:tcPr/>
+                    </a:tc>
+                    <a:tc>
+                      <a:txBody>
+                        <a:bodyPr/>
+                        <a:lstStyle/>
+                        <a:p>
+                          <a:r>
+                            <a:rPr lang="en-US" dirty="0"/>
+                            <a:t>T</a:t>
+                          </a:r>
+                        </a:p>
+                      </a:txBody>
+                      <a:tcPr/>
+                    </a:tc>
+                    <a:extLst>
+                      <a:ext uri="{0D108BD9-81ED-4DB2-BD59-A6C34878D82A}">
+                        <a16:rowId xmlns:a16="http://schemas.microsoft.com/office/drawing/2014/main" val="1886505781"/>
+                      </a:ext>
+                    </a:extLst>
+                  </a:tr>
+                  <a:tr h="370840">
+                    <a:tc>
+                      <a:txBody>
+                        <a:bodyPr/>
+                        <a:lstStyle/>
+                        <a:p>
+                          <a:r>
+                            <a:rPr lang="en-US" dirty="0"/>
+                            <a:t>F</a:t>
+                          </a:r>
+                        </a:p>
+                      </a:txBody>
+                      <a:tcPr/>
+                    </a:tc>
+                    <a:tc>
+                      <a:txBody>
+                        <a:bodyPr/>
+                        <a:lstStyle/>
+                        <a:p>
+                          <a:r>
+                            <a:rPr lang="en-US" dirty="0"/>
+                            <a:t>T</a:t>
+                          </a:r>
+                        </a:p>
+                      </a:txBody>
+                      <a:tcPr/>
+                    </a:tc>
+                    <a:tc>
+                      <a:txBody>
+                        <a:bodyPr/>
+                        <a:lstStyle/>
+                        <a:p>
+                          <a:r>
+                            <a:rPr lang="en-US" dirty="0"/>
+                            <a:t>F</a:t>
+                          </a:r>
+                        </a:p>
+                      </a:txBody>
+                      <a:tcPr/>
+                    </a:tc>
+                    <a:tc>
+                      <a:txBody>
+                        <a:bodyPr/>
+                        <a:lstStyle/>
+                        <a:p>
+                          <a:r>
+                            <a:rPr lang="en-US" dirty="0"/>
+                            <a:t>T</a:t>
+                          </a:r>
+                        </a:p>
+                      </a:txBody>
+                      <a:tcPr/>
+                    </a:tc>
+                    <a:extLst>
+                      <a:ext uri="{0D108BD9-81ED-4DB2-BD59-A6C34878D82A}">
+                        <a16:rowId xmlns:a16="http://schemas.microsoft.com/office/drawing/2014/main" val="2824165101"/>
+                      </a:ext>
+                    </a:extLst>
+                  </a:tr>
+                  <a:tr h="370840">
+                    <a:tc>
+                      <a:txBody>
+                        <a:bodyPr/>
+                        <a:lstStyle/>
+                        <a:p>
+                          <a:r>
+                            <a:rPr lang="en-US" dirty="0"/>
+                            <a:t>F</a:t>
+                          </a:r>
+                        </a:p>
+                      </a:txBody>
+                      <a:tcPr/>
+                    </a:tc>
+                    <a:tc>
+                      <a:txBody>
+                        <a:bodyPr/>
+                        <a:lstStyle/>
+                        <a:p>
+                          <a:r>
+                            <a:rPr lang="en-US" dirty="0"/>
+                            <a:t>F</a:t>
+                          </a:r>
+                        </a:p>
+                      </a:txBody>
+                      <a:tcPr/>
+                    </a:tc>
+                    <a:tc>
+                      <a:txBody>
+                        <a:bodyPr/>
+                        <a:lstStyle/>
+                        <a:p>
+                          <a:r>
+                            <a:rPr lang="en-US" dirty="0"/>
+                            <a:t>F</a:t>
+                          </a:r>
+                        </a:p>
+                      </a:txBody>
+                      <a:tcPr/>
+                    </a:tc>
+                    <a:tc>
+                      <a:txBody>
+                        <a:bodyPr/>
+                        <a:lstStyle/>
+                        <a:p>
+                          <a:r>
+                            <a:rPr lang="en-US" dirty="0"/>
+                            <a:t>T</a:t>
+                          </a:r>
+                        </a:p>
+                      </a:txBody>
+                      <a:tcPr/>
+                    </a:tc>
+                    <a:extLst>
+                      <a:ext uri="{0D108BD9-81ED-4DB2-BD59-A6C34878D82A}">
+                        <a16:rowId xmlns:a16="http://schemas.microsoft.com/office/drawing/2014/main" val="885008832"/>
+                      </a:ext>
+                    </a:extLst>
+                  </a:tr>
+                </a:tbl>
+              </a:graphicData>
+            </a:graphic>
+          </p:graphicFrame>
+        </mc:Fallback>
+      </mc:AlternateContent>
+      <mc:AlternateContent xmlns:mc="http://schemas.openxmlformats.org/markup-compatibility/2006" xmlns:a14="http://schemas.microsoft.com/office/drawing/2010/main">
+        <mc:Choice Requires="a14">
+          <p:graphicFrame>
+            <p:nvGraphicFramePr>
+              <p:cNvPr id="5" name="Table 4">
+                <a:extLst>
+                  <a:ext uri="{FF2B5EF4-FFF2-40B4-BE49-F238E27FC236}">
+                    <a16:creationId xmlns:a16="http://schemas.microsoft.com/office/drawing/2014/main" id="{6D4C50A1-7AAC-20E0-0D76-AA35F58D5943}"/>
+                  </a:ext>
+                </a:extLst>
+              </p:cNvPr>
+              <p:cNvGraphicFramePr>
+                <a:graphicFrameLocks noGrp="1"/>
+              </p:cNvGraphicFramePr>
+              <p:nvPr>
+                <p:extLst>
+                  <p:ext uri="{D42A27DB-BD31-4B8C-83A1-F6EECF244321}">
+                    <p14:modId xmlns:p14="http://schemas.microsoft.com/office/powerpoint/2010/main" val="3290803220"/>
+                  </p:ext>
+                </p:extLst>
+              </p:nvPr>
+            </p:nvGraphicFramePr>
+            <p:xfrm>
+              <a:off x="253281" y="4734560"/>
+              <a:ext cx="2858341" cy="2123440"/>
+            </p:xfrm>
+            <a:graphic>
+              <a:graphicData uri="http://schemas.openxmlformats.org/drawingml/2006/table">
+                <a:tbl>
+                  <a:tblPr firstRow="1" bandRow="1">
+                    <a:tableStyleId>{5C22544A-7EE6-4342-B048-85BDC9FD1C3A}</a:tableStyleId>
+                  </a:tblPr>
+                  <a:tblGrid>
+                    <a:gridCol w="362397">
+                      <a:extLst>
+                        <a:ext uri="{9D8B030D-6E8A-4147-A177-3AD203B41FA5}">
+                          <a16:colId xmlns:a16="http://schemas.microsoft.com/office/drawing/2014/main" val="307721341"/>
+                        </a:ext>
+                      </a:extLst>
+                    </a:gridCol>
+                    <a:gridCol w="390144">
+                      <a:extLst>
+                        <a:ext uri="{9D8B030D-6E8A-4147-A177-3AD203B41FA5}">
+                          <a16:colId xmlns:a16="http://schemas.microsoft.com/office/drawing/2014/main" val="3920982122"/>
+                        </a:ext>
+                      </a:extLst>
+                    </a:gridCol>
+                    <a:gridCol w="560832">
+                      <a:extLst>
+                        <a:ext uri="{9D8B030D-6E8A-4147-A177-3AD203B41FA5}">
+                          <a16:colId xmlns:a16="http://schemas.microsoft.com/office/drawing/2014/main" val="1258310372"/>
+                        </a:ext>
+                      </a:extLst>
+                    </a:gridCol>
+                    <a:gridCol w="454651">
+                      <a:extLst>
+                        <a:ext uri="{9D8B030D-6E8A-4147-A177-3AD203B41FA5}">
+                          <a16:colId xmlns:a16="http://schemas.microsoft.com/office/drawing/2014/main" val="3818911712"/>
+                        </a:ext>
+                      </a:extLst>
+                    </a:gridCol>
+                    <a:gridCol w="1090317">
+                      <a:extLst>
+                        <a:ext uri="{9D8B030D-6E8A-4147-A177-3AD203B41FA5}">
+                          <a16:colId xmlns:a16="http://schemas.microsoft.com/office/drawing/2014/main" val="3938468005"/>
+                        </a:ext>
+                      </a:extLst>
+                    </a:gridCol>
+                  </a:tblGrid>
+                  <a:tr h="370840">
+                    <a:tc>
+                      <a:txBody>
+                        <a:bodyPr/>
+                        <a:lstStyle/>
+                        <a:p>
+                          <a:r>
+                            <a:rPr lang="en-US" b="0" dirty="0"/>
+                            <a:t>P</a:t>
+                          </a:r>
+                        </a:p>
+                      </a:txBody>
+                      <a:tcPr/>
+                    </a:tc>
+                    <a:tc>
+                      <a:txBody>
+                        <a:bodyPr/>
+                        <a:lstStyle/>
+                        <a:p>
+                          <a:r>
+                            <a:rPr lang="en-US" b="0" dirty="0"/>
+                            <a:t>Q</a:t>
+                          </a:r>
+                        </a:p>
+                      </a:txBody>
+                      <a:tcPr/>
+                    </a:tc>
+                    <a:tc>
+                      <a:txBody>
+                        <a:bodyPr/>
+                        <a:lstStyle/>
+                        <a:p>
+                          <a:pPr/>
+                          <a14:m>
+                            <m:oMathPara xmlns:m="http://schemas.openxmlformats.org/officeDocument/2006/math">
+                              <m:oMathParaPr>
+                                <m:jc m:val="centerGroup"/>
+                              </m:oMathParaPr>
+                              <m:oMath xmlns:m="http://schemas.openxmlformats.org/officeDocument/2006/math">
+                                <m:r>
+                                  <a:rPr lang="en-US" sz="1800" b="0" i="1" smtClean="0">
+                                    <a:latin typeface="Cambria Math" panose="02040503050406030204" pitchFamily="18" charset="0"/>
+                                  </a:rPr>
+                                  <m:t>¬</m:t>
+                                </m:r>
+                                <m:r>
+                                  <m:rPr>
+                                    <m:sty m:val="p"/>
+                                  </m:rPr>
+                                  <a:rPr lang="en-US" sz="1800" b="0" i="0" smtClean="0">
+                                    <a:latin typeface="Cambria Math" panose="02040503050406030204" pitchFamily="18" charset="0"/>
+                                  </a:rPr>
+                                  <m:t>P</m:t>
+                                </m:r>
+                              </m:oMath>
+                            </m:oMathPara>
+                          </a14:m>
+                          <a:endParaRPr lang="en-US" b="0" dirty="0"/>
+                        </a:p>
+                      </a:txBody>
+                      <a:tcPr/>
+                    </a:tc>
+                    <a:tc>
+                      <a:txBody>
+                        <a:bodyPr/>
+                        <a:lstStyle/>
+                        <a:p>
+                          <a:pPr/>
+                          <a14:m>
+                            <m:oMathPara xmlns:m="http://schemas.openxmlformats.org/officeDocument/2006/math">
+                              <m:oMathParaPr>
+                                <m:jc m:val="centerGroup"/>
+                              </m:oMathParaPr>
+                              <m:oMath xmlns:m="http://schemas.openxmlformats.org/officeDocument/2006/math">
+                                <m:r>
+                                  <a:rPr lang="en-US" sz="1800" b="0" i="1" smtClean="0">
+                                    <a:latin typeface="Cambria Math" panose="02040503050406030204" pitchFamily="18" charset="0"/>
+                                  </a:rPr>
+                                  <m:t>¬</m:t>
+                                </m:r>
+                                <m:r>
+                                  <m:rPr>
+                                    <m:sty m:val="p"/>
+                                  </m:rPr>
+                                  <a:rPr lang="en-US" sz="1800" b="0" i="0" smtClean="0">
+                                    <a:latin typeface="Cambria Math" panose="02040503050406030204" pitchFamily="18" charset="0"/>
+                                  </a:rPr>
+                                  <m:t>Q</m:t>
+                                </m:r>
+                              </m:oMath>
+                            </m:oMathPara>
+                          </a14:m>
+                          <a:endParaRPr lang="en-US" b="0" dirty="0"/>
+                        </a:p>
+                      </a:txBody>
+                      <a:tcPr/>
+                    </a:tc>
+                    <a:tc>
+                      <a:txBody>
+                        <a:bodyPr/>
+                        <a:lstStyle/>
+                        <a:p>
+                          <a:pPr marL="0" indent="0">
+                            <a:buNone/>
+                          </a:pPr>
+                          <a14:m>
+                            <m:oMathPara xmlns:m="http://schemas.openxmlformats.org/officeDocument/2006/math">
+                              <m:oMathParaPr>
+                                <m:jc m:val="centerGroup"/>
+                              </m:oMathParaPr>
+                              <m:oMath xmlns:m="http://schemas.openxmlformats.org/officeDocument/2006/math">
+                                <m:r>
+                                  <a:rPr lang="en-US" sz="1800" b="1" i="1" smtClean="0">
+                                    <a:latin typeface="Cambria Math" panose="02040503050406030204" pitchFamily="18" charset="0"/>
+                                  </a:rPr>
+                                  <m:t>¬</m:t>
+                                </m:r>
+                                <m:r>
+                                  <a:rPr lang="en-US" sz="1800" b="1" i="1" smtClean="0">
+                                    <a:latin typeface="Cambria Math" panose="02040503050406030204" pitchFamily="18" charset="0"/>
+                                  </a:rPr>
+                                  <m:t>𝑷</m:t>
+                                </m:r>
+                                <m:r>
+                                  <a:rPr lang="en-US" sz="1800" b="1" i="1" smtClean="0">
+                                    <a:latin typeface="Cambria Math" panose="02040503050406030204" pitchFamily="18" charset="0"/>
+                                  </a:rPr>
+                                  <m:t>∧¬</m:t>
+                                </m:r>
+                                <m:r>
+                                  <a:rPr lang="en-US" sz="1800" b="1" i="1" smtClean="0">
+                                    <a:latin typeface="Cambria Math" panose="02040503050406030204" pitchFamily="18" charset="0"/>
+                                  </a:rPr>
+                                  <m:t>𝑸</m:t>
+                                </m:r>
+                              </m:oMath>
+                            </m:oMathPara>
+                          </a14:m>
+                          <a:endParaRPr lang="en-US" sz="1800" b="1" i="1" dirty="0"/>
+                        </a:p>
+                        <a:p>
+                          <a:endParaRPr lang="en-US" dirty="0"/>
+                        </a:p>
+                      </a:txBody>
+                      <a:tcPr/>
+                    </a:tc>
+                    <a:extLst>
+                      <a:ext uri="{0D108BD9-81ED-4DB2-BD59-A6C34878D82A}">
+                        <a16:rowId xmlns:a16="http://schemas.microsoft.com/office/drawing/2014/main" val="2177869094"/>
+                      </a:ext>
+                    </a:extLst>
+                  </a:tr>
+                  <a:tr h="370840">
+                    <a:tc>
+                      <a:txBody>
+                        <a:bodyPr/>
+                        <a:lstStyle/>
+                        <a:p>
+                          <a:r>
+                            <a:rPr lang="en-US" dirty="0"/>
+                            <a:t>T</a:t>
+                          </a:r>
+                        </a:p>
+                      </a:txBody>
+                      <a:tcPr/>
+                    </a:tc>
+                    <a:tc>
+                      <a:txBody>
+                        <a:bodyPr/>
+                        <a:lstStyle/>
+                        <a:p>
+                          <a:r>
+                            <a:rPr lang="en-US" dirty="0"/>
+                            <a:t>T</a:t>
+                          </a:r>
+                        </a:p>
+                      </a:txBody>
+                      <a:tcPr/>
+                    </a:tc>
+                    <a:tc>
+                      <a:txBody>
+                        <a:bodyPr/>
+                        <a:lstStyle/>
+                        <a:p>
+                          <a:r>
+                            <a:rPr lang="en-US" dirty="0"/>
+                            <a:t>F</a:t>
+                          </a:r>
+                        </a:p>
+                      </a:txBody>
+                      <a:tcPr/>
+                    </a:tc>
+                    <a:tc>
+                      <a:txBody>
+                        <a:bodyPr/>
+                        <a:lstStyle/>
+                        <a:p>
+                          <a:r>
+                            <a:rPr lang="en-US" dirty="0"/>
+                            <a:t>F</a:t>
+                          </a:r>
+                        </a:p>
+                      </a:txBody>
+                      <a:tcPr/>
+                    </a:tc>
+                    <a:tc>
+                      <a:txBody>
+                        <a:bodyPr/>
+                        <a:lstStyle/>
+                        <a:p>
+                          <a:r>
+                            <a:rPr lang="en-US" dirty="0"/>
+                            <a:t>F</a:t>
+                          </a:r>
+                        </a:p>
+                      </a:txBody>
+                      <a:tcPr/>
+                    </a:tc>
+                    <a:extLst>
+                      <a:ext uri="{0D108BD9-81ED-4DB2-BD59-A6C34878D82A}">
+                        <a16:rowId xmlns:a16="http://schemas.microsoft.com/office/drawing/2014/main" val="84263792"/>
+                      </a:ext>
+                    </a:extLst>
+                  </a:tr>
+                  <a:tr h="370840">
+                    <a:tc>
+                      <a:txBody>
+                        <a:bodyPr/>
+                        <a:lstStyle/>
+                        <a:p>
+                          <a:r>
+                            <a:rPr lang="en-US" dirty="0"/>
+                            <a:t>T</a:t>
+                          </a:r>
+                        </a:p>
+                      </a:txBody>
+                      <a:tcPr/>
+                    </a:tc>
+                    <a:tc>
+                      <a:txBody>
+                        <a:bodyPr/>
+                        <a:lstStyle/>
+                        <a:p>
+                          <a:r>
+                            <a:rPr lang="en-US" dirty="0"/>
+                            <a:t>F</a:t>
+                          </a:r>
+                        </a:p>
+                      </a:txBody>
+                      <a:tcPr/>
+                    </a:tc>
+                    <a:tc>
+                      <a:txBody>
+                        <a:bodyPr/>
+                        <a:lstStyle/>
+                        <a:p>
+                          <a:r>
+                            <a:rPr lang="en-US" dirty="0"/>
+                            <a:t>F</a:t>
+                          </a:r>
+                        </a:p>
+                      </a:txBody>
+                      <a:tcPr/>
+                    </a:tc>
+                    <a:tc>
+                      <a:txBody>
+                        <a:bodyPr/>
+                        <a:lstStyle/>
+                        <a:p>
+                          <a:r>
+                            <a:rPr lang="en-US" dirty="0"/>
+                            <a:t>T</a:t>
+                          </a:r>
+                        </a:p>
+                      </a:txBody>
+                      <a:tcPr/>
+                    </a:tc>
+                    <a:tc>
+                      <a:txBody>
+                        <a:bodyPr/>
+                        <a:lstStyle/>
+                        <a:p>
+                          <a:r>
+                            <a:rPr lang="en-US" dirty="0"/>
+                            <a:t>T</a:t>
+                          </a:r>
+                        </a:p>
+                      </a:txBody>
+                      <a:tcPr/>
+                    </a:tc>
+                    <a:extLst>
+                      <a:ext uri="{0D108BD9-81ED-4DB2-BD59-A6C34878D82A}">
+                        <a16:rowId xmlns:a16="http://schemas.microsoft.com/office/drawing/2014/main" val="1886505781"/>
+                      </a:ext>
+                    </a:extLst>
+                  </a:tr>
+                  <a:tr h="370840">
+                    <a:tc>
+                      <a:txBody>
+                        <a:bodyPr/>
+                        <a:lstStyle/>
+                        <a:p>
+                          <a:r>
+                            <a:rPr lang="en-US" dirty="0"/>
+                            <a:t>F</a:t>
+                          </a:r>
+                        </a:p>
+                      </a:txBody>
+                      <a:tcPr/>
+                    </a:tc>
+                    <a:tc>
+                      <a:txBody>
+                        <a:bodyPr/>
+                        <a:lstStyle/>
+                        <a:p>
+                          <a:r>
+                            <a:rPr lang="en-US" dirty="0"/>
+                            <a:t>T</a:t>
+                          </a:r>
+                        </a:p>
+                      </a:txBody>
+                      <a:tcPr/>
+                    </a:tc>
+                    <a:tc>
+                      <a:txBody>
+                        <a:bodyPr/>
+                        <a:lstStyle/>
+                        <a:p>
+                          <a:r>
+                            <a:rPr lang="en-US" dirty="0"/>
+                            <a:t>T</a:t>
+                          </a:r>
+                        </a:p>
+                      </a:txBody>
+                      <a:tcPr/>
+                    </a:tc>
+                    <a:tc>
+                      <a:txBody>
+                        <a:bodyPr/>
+                        <a:lstStyle/>
+                        <a:p>
+                          <a:r>
+                            <a:rPr lang="en-US" dirty="0"/>
+                            <a:t>F</a:t>
+                          </a:r>
+                        </a:p>
+                      </a:txBody>
+                      <a:tcPr/>
+                    </a:tc>
+                    <a:tc>
+                      <a:txBody>
+                        <a:bodyPr/>
+                        <a:lstStyle/>
+                        <a:p>
+                          <a:r>
+                            <a:rPr lang="en-US" dirty="0"/>
+                            <a:t>T</a:t>
+                          </a:r>
+                        </a:p>
+                      </a:txBody>
+                      <a:tcPr/>
+                    </a:tc>
+                    <a:extLst>
+                      <a:ext uri="{0D108BD9-81ED-4DB2-BD59-A6C34878D82A}">
+                        <a16:rowId xmlns:a16="http://schemas.microsoft.com/office/drawing/2014/main" val="2824165101"/>
+                      </a:ext>
+                    </a:extLst>
+                  </a:tr>
+                  <a:tr h="370840">
+                    <a:tc>
+                      <a:txBody>
+                        <a:bodyPr/>
+                        <a:lstStyle/>
+                        <a:p>
+                          <a:r>
+                            <a:rPr lang="en-US" dirty="0"/>
+                            <a:t>F</a:t>
+                          </a:r>
+                        </a:p>
+                      </a:txBody>
+                      <a:tcPr/>
+                    </a:tc>
+                    <a:tc>
+                      <a:txBody>
+                        <a:bodyPr/>
+                        <a:lstStyle/>
+                        <a:p>
+                          <a:r>
+                            <a:rPr lang="en-US" dirty="0"/>
+                            <a:t>F</a:t>
+                          </a:r>
+                        </a:p>
+                      </a:txBody>
+                      <a:tcPr/>
+                    </a:tc>
+                    <a:tc>
+                      <a:txBody>
+                        <a:bodyPr/>
+                        <a:lstStyle/>
+                        <a:p>
+                          <a:r>
+                            <a:rPr lang="en-US" dirty="0"/>
+                            <a:t>T</a:t>
+                          </a:r>
+                        </a:p>
+                      </a:txBody>
+                      <a:tcPr/>
+                    </a:tc>
+                    <a:tc>
+                      <a:txBody>
+                        <a:bodyPr/>
+                        <a:lstStyle/>
+                        <a:p>
+                          <a:r>
+                            <a:rPr lang="en-US" dirty="0"/>
+                            <a:t>T</a:t>
+                          </a:r>
+                        </a:p>
+                      </a:txBody>
+                      <a:tcPr/>
+                    </a:tc>
+                    <a:tc>
+                      <a:txBody>
+                        <a:bodyPr/>
+                        <a:lstStyle/>
+                        <a:p>
+                          <a:r>
+                            <a:rPr lang="en-US" dirty="0"/>
+                            <a:t>T</a:t>
+                          </a:r>
+                        </a:p>
+                      </a:txBody>
+                      <a:tcPr/>
+                    </a:tc>
+                    <a:extLst>
+                      <a:ext uri="{0D108BD9-81ED-4DB2-BD59-A6C34878D82A}">
+                        <a16:rowId xmlns:a16="http://schemas.microsoft.com/office/drawing/2014/main" val="885008832"/>
+                      </a:ext>
+                    </a:extLst>
+                  </a:tr>
+                </a:tbl>
+              </a:graphicData>
+            </a:graphic>
+          </p:graphicFrame>
+        </mc:Choice>
+        <mc:Fallback xmlns="">
+          <p:graphicFrame>
+            <p:nvGraphicFramePr>
+              <p:cNvPr id="5" name="Table 4">
+                <a:extLst>
+                  <a:ext uri="{FF2B5EF4-FFF2-40B4-BE49-F238E27FC236}">
+                    <a16:creationId xmlns:a16="http://schemas.microsoft.com/office/drawing/2014/main" id="{6D4C50A1-7AAC-20E0-0D76-AA35F58D5943}"/>
+                  </a:ext>
+                </a:extLst>
+              </p:cNvPr>
+              <p:cNvGraphicFramePr>
+                <a:graphicFrameLocks noGrp="1"/>
+              </p:cNvGraphicFramePr>
+              <p:nvPr>
+                <p:extLst>
+                  <p:ext uri="{D42A27DB-BD31-4B8C-83A1-F6EECF244321}">
+                    <p14:modId xmlns:p14="http://schemas.microsoft.com/office/powerpoint/2010/main" val="3290803220"/>
+                  </p:ext>
+                </p:extLst>
+              </p:nvPr>
+            </p:nvGraphicFramePr>
+            <p:xfrm>
+              <a:off x="253281" y="4734560"/>
+              <a:ext cx="2858341" cy="2123440"/>
+            </p:xfrm>
+            <a:graphic>
+              <a:graphicData uri="http://schemas.openxmlformats.org/drawingml/2006/table">
+                <a:tbl>
+                  <a:tblPr firstRow="1" bandRow="1">
+                    <a:tableStyleId>{5C22544A-7EE6-4342-B048-85BDC9FD1C3A}</a:tableStyleId>
+                  </a:tblPr>
+                  <a:tblGrid>
+                    <a:gridCol w="362397">
+                      <a:extLst>
+                        <a:ext uri="{9D8B030D-6E8A-4147-A177-3AD203B41FA5}">
+                          <a16:colId xmlns:a16="http://schemas.microsoft.com/office/drawing/2014/main" val="307721341"/>
+                        </a:ext>
+                      </a:extLst>
+                    </a:gridCol>
+                    <a:gridCol w="390144">
+                      <a:extLst>
+                        <a:ext uri="{9D8B030D-6E8A-4147-A177-3AD203B41FA5}">
+                          <a16:colId xmlns:a16="http://schemas.microsoft.com/office/drawing/2014/main" val="3920982122"/>
+                        </a:ext>
+                      </a:extLst>
+                    </a:gridCol>
+                    <a:gridCol w="560832">
+                      <a:extLst>
+                        <a:ext uri="{9D8B030D-6E8A-4147-A177-3AD203B41FA5}">
+                          <a16:colId xmlns:a16="http://schemas.microsoft.com/office/drawing/2014/main" val="1258310372"/>
+                        </a:ext>
+                      </a:extLst>
+                    </a:gridCol>
+                    <a:gridCol w="454651">
+                      <a:extLst>
+                        <a:ext uri="{9D8B030D-6E8A-4147-A177-3AD203B41FA5}">
+                          <a16:colId xmlns:a16="http://schemas.microsoft.com/office/drawing/2014/main" val="3818911712"/>
+                        </a:ext>
+                      </a:extLst>
+                    </a:gridCol>
+                    <a:gridCol w="1090317">
+                      <a:extLst>
+                        <a:ext uri="{9D8B030D-6E8A-4147-A177-3AD203B41FA5}">
+                          <a16:colId xmlns:a16="http://schemas.microsoft.com/office/drawing/2014/main" val="3938468005"/>
+                        </a:ext>
+                      </a:extLst>
+                    </a:gridCol>
+                  </a:tblGrid>
+                  <a:tr h="640080">
+                    <a:tc>
+                      <a:txBody>
+                        <a:bodyPr/>
+                        <a:lstStyle/>
+                        <a:p>
+                          <a:r>
+                            <a:rPr lang="en-US" b="0" dirty="0"/>
+                            <a:t>P</a:t>
+                          </a:r>
+                        </a:p>
+                      </a:txBody>
+                      <a:tcPr/>
+                    </a:tc>
+                    <a:tc>
+                      <a:txBody>
+                        <a:bodyPr/>
+                        <a:lstStyle/>
+                        <a:p>
+                          <a:r>
+                            <a:rPr lang="en-US" b="0" dirty="0"/>
+                            <a:t>Q</a:t>
+                          </a:r>
+                        </a:p>
+                      </a:txBody>
+                      <a:tcPr/>
+                    </a:tc>
+                    <a:tc>
+                      <a:txBody>
+                        <a:bodyPr/>
+                        <a:lstStyle/>
+                        <a:p>
+                          <a:endParaRPr lang="en-US"/>
+                        </a:p>
+                      </a:txBody>
+                      <a:tcPr>
+                        <a:blipFill>
+                          <a:blip r:embed="rId6"/>
+                          <a:stretch>
+                            <a:fillRect l="-136364" t="-3922" r="-284091" b="-245098"/>
+                          </a:stretch>
+                        </a:blipFill>
+                      </a:tcPr>
+                    </a:tc>
+                    <a:tc>
+                      <a:txBody>
+                        <a:bodyPr/>
+                        <a:lstStyle/>
+                        <a:p>
+                          <a:endParaRPr lang="en-US"/>
+                        </a:p>
+                      </a:txBody>
+                      <a:tcPr>
+                        <a:blipFill>
+                          <a:blip r:embed="rId6"/>
+                          <a:stretch>
+                            <a:fillRect l="-288889" t="-3922" r="-247222" b="-245098"/>
+                          </a:stretch>
+                        </a:blipFill>
+                      </a:tcPr>
+                    </a:tc>
+                    <a:tc>
+                      <a:txBody>
+                        <a:bodyPr/>
+                        <a:lstStyle/>
+                        <a:p>
+                          <a:endParaRPr lang="en-US"/>
+                        </a:p>
+                      </a:txBody>
+                      <a:tcPr>
+                        <a:blipFill>
+                          <a:blip r:embed="rId6"/>
+                          <a:stretch>
+                            <a:fillRect l="-160920" t="-3922" r="-2299" b="-245098"/>
+                          </a:stretch>
+                        </a:blipFill>
+                      </a:tcPr>
+                    </a:tc>
+                    <a:extLst>
+                      <a:ext uri="{0D108BD9-81ED-4DB2-BD59-A6C34878D82A}">
+                        <a16:rowId xmlns:a16="http://schemas.microsoft.com/office/drawing/2014/main" val="2177869094"/>
+                      </a:ext>
+                    </a:extLst>
+                  </a:tr>
+                  <a:tr h="370840">
+                    <a:tc>
+                      <a:txBody>
+                        <a:bodyPr/>
+                        <a:lstStyle/>
+                        <a:p>
+                          <a:r>
+                            <a:rPr lang="en-US" dirty="0"/>
+                            <a:t>T</a:t>
+                          </a:r>
+                        </a:p>
+                      </a:txBody>
+                      <a:tcPr/>
+                    </a:tc>
+                    <a:tc>
+                      <a:txBody>
+                        <a:bodyPr/>
+                        <a:lstStyle/>
+                        <a:p>
+                          <a:r>
+                            <a:rPr lang="en-US" dirty="0"/>
+                            <a:t>T</a:t>
+                          </a:r>
+                        </a:p>
+                      </a:txBody>
+                      <a:tcPr/>
+                    </a:tc>
+                    <a:tc>
+                      <a:txBody>
+                        <a:bodyPr/>
+                        <a:lstStyle/>
+                        <a:p>
+                          <a:r>
+                            <a:rPr lang="en-US" dirty="0"/>
+                            <a:t>F</a:t>
+                          </a:r>
+                        </a:p>
+                      </a:txBody>
+                      <a:tcPr/>
+                    </a:tc>
+                    <a:tc>
+                      <a:txBody>
+                        <a:bodyPr/>
+                        <a:lstStyle/>
+                        <a:p>
+                          <a:r>
+                            <a:rPr lang="en-US" dirty="0"/>
+                            <a:t>F</a:t>
+                          </a:r>
+                        </a:p>
+                      </a:txBody>
+                      <a:tcPr/>
+                    </a:tc>
+                    <a:tc>
+                      <a:txBody>
+                        <a:bodyPr/>
+                        <a:lstStyle/>
+                        <a:p>
+                          <a:r>
+                            <a:rPr lang="en-US" dirty="0"/>
+                            <a:t>F</a:t>
+                          </a:r>
+                        </a:p>
+                      </a:txBody>
+                      <a:tcPr/>
+                    </a:tc>
+                    <a:extLst>
+                      <a:ext uri="{0D108BD9-81ED-4DB2-BD59-A6C34878D82A}">
+                        <a16:rowId xmlns:a16="http://schemas.microsoft.com/office/drawing/2014/main" val="84263792"/>
+                      </a:ext>
+                    </a:extLst>
+                  </a:tr>
+                  <a:tr h="370840">
+                    <a:tc>
+                      <a:txBody>
+                        <a:bodyPr/>
+                        <a:lstStyle/>
+                        <a:p>
+                          <a:r>
+                            <a:rPr lang="en-US" dirty="0"/>
+                            <a:t>T</a:t>
+                          </a:r>
+                        </a:p>
+                      </a:txBody>
+                      <a:tcPr/>
+                    </a:tc>
+                    <a:tc>
+                      <a:txBody>
+                        <a:bodyPr/>
+                        <a:lstStyle/>
+                        <a:p>
+                          <a:r>
+                            <a:rPr lang="en-US" dirty="0"/>
+                            <a:t>F</a:t>
+                          </a:r>
+                        </a:p>
+                      </a:txBody>
+                      <a:tcPr/>
+                    </a:tc>
+                    <a:tc>
+                      <a:txBody>
+                        <a:bodyPr/>
+                        <a:lstStyle/>
+                        <a:p>
+                          <a:r>
+                            <a:rPr lang="en-US" dirty="0"/>
+                            <a:t>F</a:t>
+                          </a:r>
+                        </a:p>
+                      </a:txBody>
+                      <a:tcPr/>
+                    </a:tc>
+                    <a:tc>
+                      <a:txBody>
+                        <a:bodyPr/>
+                        <a:lstStyle/>
+                        <a:p>
+                          <a:r>
+                            <a:rPr lang="en-US" dirty="0"/>
+                            <a:t>T</a:t>
+                          </a:r>
+                        </a:p>
+                      </a:txBody>
+                      <a:tcPr/>
+                    </a:tc>
+                    <a:tc>
+                      <a:txBody>
+                        <a:bodyPr/>
+                        <a:lstStyle/>
+                        <a:p>
+                          <a:r>
+                            <a:rPr lang="en-US" dirty="0"/>
+                            <a:t>T</a:t>
+                          </a:r>
+                        </a:p>
+                      </a:txBody>
+                      <a:tcPr/>
+                    </a:tc>
+                    <a:extLst>
+                      <a:ext uri="{0D108BD9-81ED-4DB2-BD59-A6C34878D82A}">
+                        <a16:rowId xmlns:a16="http://schemas.microsoft.com/office/drawing/2014/main" val="1886505781"/>
+                      </a:ext>
+                    </a:extLst>
+                  </a:tr>
+                  <a:tr h="370840">
+                    <a:tc>
+                      <a:txBody>
+                        <a:bodyPr/>
+                        <a:lstStyle/>
+                        <a:p>
+                          <a:r>
+                            <a:rPr lang="en-US" dirty="0"/>
+                            <a:t>F</a:t>
+                          </a:r>
+                        </a:p>
+                      </a:txBody>
+                      <a:tcPr/>
+                    </a:tc>
+                    <a:tc>
+                      <a:txBody>
+                        <a:bodyPr/>
+                        <a:lstStyle/>
+                        <a:p>
+                          <a:r>
+                            <a:rPr lang="en-US" dirty="0"/>
+                            <a:t>T</a:t>
+                          </a:r>
+                        </a:p>
+                      </a:txBody>
+                      <a:tcPr/>
+                    </a:tc>
+                    <a:tc>
+                      <a:txBody>
+                        <a:bodyPr/>
+                        <a:lstStyle/>
+                        <a:p>
+                          <a:r>
+                            <a:rPr lang="en-US" dirty="0"/>
+                            <a:t>T</a:t>
+                          </a:r>
+                        </a:p>
+                      </a:txBody>
+                      <a:tcPr/>
+                    </a:tc>
+                    <a:tc>
+                      <a:txBody>
+                        <a:bodyPr/>
+                        <a:lstStyle/>
+                        <a:p>
+                          <a:r>
+                            <a:rPr lang="en-US" dirty="0"/>
+                            <a:t>F</a:t>
+                          </a:r>
+                        </a:p>
+                      </a:txBody>
+                      <a:tcPr/>
+                    </a:tc>
+                    <a:tc>
+                      <a:txBody>
+                        <a:bodyPr/>
+                        <a:lstStyle/>
+                        <a:p>
+                          <a:r>
+                            <a:rPr lang="en-US" dirty="0"/>
+                            <a:t>T</a:t>
+                          </a:r>
+                        </a:p>
+                      </a:txBody>
+                      <a:tcPr/>
+                    </a:tc>
+                    <a:extLst>
+                      <a:ext uri="{0D108BD9-81ED-4DB2-BD59-A6C34878D82A}">
+                        <a16:rowId xmlns:a16="http://schemas.microsoft.com/office/drawing/2014/main" val="2824165101"/>
+                      </a:ext>
+                    </a:extLst>
+                  </a:tr>
+                  <a:tr h="370840">
+                    <a:tc>
+                      <a:txBody>
+                        <a:bodyPr/>
+                        <a:lstStyle/>
+                        <a:p>
+                          <a:r>
+                            <a:rPr lang="en-US" dirty="0"/>
+                            <a:t>F</a:t>
+                          </a:r>
+                        </a:p>
+                      </a:txBody>
+                      <a:tcPr/>
+                    </a:tc>
+                    <a:tc>
+                      <a:txBody>
+                        <a:bodyPr/>
+                        <a:lstStyle/>
+                        <a:p>
+                          <a:r>
+                            <a:rPr lang="en-US" dirty="0"/>
+                            <a:t>F</a:t>
+                          </a:r>
+                        </a:p>
+                      </a:txBody>
+                      <a:tcPr/>
+                    </a:tc>
+                    <a:tc>
+                      <a:txBody>
+                        <a:bodyPr/>
+                        <a:lstStyle/>
+                        <a:p>
+                          <a:r>
+                            <a:rPr lang="en-US" dirty="0"/>
+                            <a:t>T</a:t>
+                          </a:r>
+                        </a:p>
+                      </a:txBody>
+                      <a:tcPr/>
+                    </a:tc>
+                    <a:tc>
+                      <a:txBody>
+                        <a:bodyPr/>
+                        <a:lstStyle/>
+                        <a:p>
+                          <a:r>
+                            <a:rPr lang="en-US" dirty="0"/>
+                            <a:t>T</a:t>
+                          </a:r>
+                        </a:p>
+                      </a:txBody>
+                      <a:tcPr/>
+                    </a:tc>
+                    <a:tc>
+                      <a:txBody>
+                        <a:bodyPr/>
+                        <a:lstStyle/>
+                        <a:p>
+                          <a:r>
+                            <a:rPr lang="en-US" dirty="0"/>
+                            <a:t>T</a:t>
+                          </a:r>
+                        </a:p>
+                      </a:txBody>
+                      <a:tcPr/>
+                    </a:tc>
+                    <a:extLst>
+                      <a:ext uri="{0D108BD9-81ED-4DB2-BD59-A6C34878D82A}">
+                        <a16:rowId xmlns:a16="http://schemas.microsoft.com/office/drawing/2014/main" val="885008832"/>
+                      </a:ext>
+                    </a:extLst>
+                  </a:tr>
+                </a:tbl>
+              </a:graphicData>
+            </a:graphic>
+          </p:graphicFrame>
+        </mc:Fallback>
+      </mc:AlternateContent>
+      <p:pic>
+        <p:nvPicPr>
+          <p:cNvPr id="6" name="Picture 5">
+            <a:extLst>
+              <a:ext uri="{FF2B5EF4-FFF2-40B4-BE49-F238E27FC236}">
+                <a16:creationId xmlns:a16="http://schemas.microsoft.com/office/drawing/2014/main" id="{97B8F50D-9C62-C6E3-777C-7C9C88120088}"/>
+              </a:ext>
+            </a:extLst>
+          </p:cNvPr>
+          <p:cNvPicPr>
+            <a:picLocks noChangeAspect="1"/>
+          </p:cNvPicPr>
+          <p:nvPr/>
+        </p:nvPicPr>
+        <p:blipFill>
+          <a:blip r:embed="rId7"/>
+          <a:stretch>
+            <a:fillRect/>
+          </a:stretch>
+        </p:blipFill>
+        <p:spPr>
+          <a:xfrm>
+            <a:off x="9231696" y="230188"/>
+            <a:ext cx="2641600" cy="1447800"/>
+          </a:xfrm>
+          <a:prstGeom prst="rect">
+            <a:avLst/>
+          </a:prstGeom>
+        </p:spPr>
+      </p:pic>
+    </p:spTree>
+    <p:extLst>
+      <p:ext uri="{BB962C8B-B14F-4D97-AF65-F5344CB8AC3E}">
+        <p14:creationId xmlns:p14="http://schemas.microsoft.com/office/powerpoint/2010/main" val="2084119842"/>
+      </p:ext>
+    </p:extLst>
+  </p:cSld>
+  <p:clrMapOvr>
+    <a:masterClrMapping/>
+  </p:clrMapOvr>
+</p:sld>
+</file>
+
+<file path=ppt/slides/slide9.xml><?xml version="1.0" encoding="utf-8"?>
+<p:sld xmlns:a="http://schemas.openxmlformats.org/drawingml/2006/main" xmlns:r="http://schemas.openxmlformats.org/officeDocument/2006/relationships" xmlns:p="http://schemas.openxmlformats.org/presentationml/2006/main">
+  <p:cSld>
+    <p:spTree>
+      <p:nvGrpSpPr>
+        <p:cNvPr id="1" name=""/>
+        <p:cNvGrpSpPr/>
+        <p:nvPr/>
+      </p:nvGrpSpPr>
+      <p:grpSpPr>
+        <a:xfrm>
+          <a:off x="0" y="0"/>
+          <a:ext cx="0" cy="0"/>
+          <a:chOff x="0" y="0"/>
+          <a:chExt cx="0" cy="0"/>
+        </a:xfrm>
+      </p:grpSpPr>
+      <p:sp>
+        <p:nvSpPr>
+          <p:cNvPr id="2" name="Title 1">
+            <a:extLst>
+              <a:ext uri="{FF2B5EF4-FFF2-40B4-BE49-F238E27FC236}">
+                <a16:creationId xmlns:a16="http://schemas.microsoft.com/office/drawing/2014/main" id="{B8FB7A3D-5CA4-4C62-94ED-ADE07BBEA8B6}"/>
+              </a:ext>
+            </a:extLst>
+          </p:cNvPr>
+          <p:cNvSpPr>
+            <a:spLocks noGrp="1"/>
+          </p:cNvSpPr>
+          <p:nvPr>
+            <p:ph type="title"/>
+          </p:nvPr>
+        </p:nvSpPr>
+        <p:spPr/>
+        <p:txBody>
+          <a:bodyPr/>
+          <a:lstStyle/>
+          <a:p>
+            <a:r>
+              <a:rPr lang="en-US" dirty="0"/>
+              <a:t>De Morgan's Laws</a:t>
+            </a:r>
+          </a:p>
+        </p:txBody>
+      </p:sp>
+      <mc:AlternateContent xmlns:mc="http://schemas.openxmlformats.org/markup-compatibility/2006">
+        <mc:Choice xmlns:a14="http://schemas.microsoft.com/office/drawing/2010/main" Requires="a14">
           <p:sp>
             <p:nvSpPr>
               <p:cNvPr id="3" name="Content Placeholder 2">
@@ -16047,7 +18340,7 @@
                     </m:oMathParaPr>
                     <m:oMath xmlns:m="http://schemas.openxmlformats.org/officeDocument/2006/math">
                       <m:r>
-                        <a:rPr lang="en-US" sz="2800" b="0" i="1" smtClean="0">
+                        <a:rPr lang="en-US" sz="2800" b="1" i="1" smtClean="0">
                           <a:latin typeface="Cambria Math" panose="02040503050406030204" pitchFamily="18" charset="0"/>
                         </a:rPr>
                         <m:t>¬</m:t>
@@ -16055,60 +18348,60 @@
                       <m:d>
                         <m:dPr>
                           <m:ctrlPr>
-                            <a:rPr lang="en-US" sz="2800" i="1" smtClean="0">
+                            <a:rPr lang="en-US" sz="2800" b="1" i="1" smtClean="0">
                               <a:latin typeface="Cambria Math" panose="02040503050406030204" pitchFamily="18" charset="0"/>
                             </a:rPr>
                           </m:ctrlPr>
                         </m:dPr>
                         <m:e>
                           <m:r>
-                            <a:rPr lang="en-US" sz="2800" b="0" i="1" smtClean="0">
+                            <a:rPr lang="en-US" sz="2800" b="1" i="1" smtClean="0">
                               <a:latin typeface="Cambria Math" panose="02040503050406030204" pitchFamily="18" charset="0"/>
                             </a:rPr>
-                            <m:t>𝑝</m:t>
+                            <m:t>𝒑</m:t>
                           </m:r>
                           <m:r>
-                            <a:rPr lang="en-US" sz="2800" b="0" i="1" smtClean="0">
+                            <a:rPr lang="en-US" sz="2800" b="1" i="1" smtClean="0">
                               <a:latin typeface="Cambria Math" panose="02040503050406030204" pitchFamily="18" charset="0"/>
                             </a:rPr>
                             <m:t>∨</m:t>
                           </m:r>
                           <m:r>
-                            <a:rPr lang="en-US" sz="2800" b="0" i="1" smtClean="0">
+                            <a:rPr lang="en-US" sz="2800" b="1" i="1" smtClean="0">
                               <a:latin typeface="Cambria Math" panose="02040503050406030204" pitchFamily="18" charset="0"/>
                             </a:rPr>
-                            <m:t>𝑞</m:t>
+                            <m:t>𝒒</m:t>
                           </m:r>
                         </m:e>
                       </m:d>
                       <m:r>
-                        <a:rPr lang="en-US" sz="2800" b="0" i="1" smtClean="0">
+                        <a:rPr lang="en-US" sz="2800" b="1" i="1" smtClean="0">
                           <a:latin typeface="Cambria Math" panose="02040503050406030204" pitchFamily="18" charset="0"/>
                         </a:rPr>
                         <m:t>≡¬</m:t>
                       </m:r>
                       <m:r>
-                        <a:rPr lang="en-US" sz="2800" b="0" i="1" smtClean="0">
+                        <a:rPr lang="en-US" sz="2800" b="1" i="1" smtClean="0">
                           <a:latin typeface="Cambria Math" panose="02040503050406030204" pitchFamily="18" charset="0"/>
                         </a:rPr>
-                        <m:t>𝑝</m:t>
+                        <m:t>𝒑</m:t>
                       </m:r>
                       <m:r>
-                        <a:rPr lang="en-US" sz="2800" b="0" i="1" smtClean="0">
+                        <a:rPr lang="en-US" sz="2800" b="1" i="1" smtClean="0">
                           <a:latin typeface="Cambria Math" panose="02040503050406030204" pitchFamily="18" charset="0"/>
                         </a:rPr>
                         <m:t>∧¬</m:t>
                       </m:r>
                       <m:r>
-                        <a:rPr lang="en-US" sz="2800" b="0" i="1" smtClean="0">
+                        <a:rPr lang="en-US" sz="2800" b="1" i="1" smtClean="0">
                           <a:latin typeface="Cambria Math" panose="02040503050406030204" pitchFamily="18" charset="0"/>
                         </a:rPr>
-                        <m:t>𝑞</m:t>
+                        <m:t>𝒒</m:t>
                       </m:r>
                     </m:oMath>
                   </m:oMathPara>
                 </a14:m>
-                <a:endParaRPr lang="en-US" sz="2800" i="1" dirty="0"/>
+                <a:endParaRPr lang="en-US" sz="2800" b="1" i="1" dirty="0"/>
               </a:p>
               <a:p>
                 <a:pPr marL="0" indent="0">
@@ -16119,2161 +18412,7 @@
             </p:txBody>
           </p:sp>
         </mc:Choice>
-        <mc:Fallback xmlns="">
-          <p:sp>
-            <p:nvSpPr>
-              <p:cNvPr id="3" name="Content Placeholder 2">
-                <a:extLst>
-                  <a:ext uri="{FF2B5EF4-FFF2-40B4-BE49-F238E27FC236}">
-                    <a16:creationId xmlns:a16="http://schemas.microsoft.com/office/drawing/2014/main" id="{D1667493-B257-4C41-8EA8-2F4182DA74B2}"/>
-                  </a:ext>
-                </a:extLst>
-              </p:cNvPr>
-              <p:cNvSpPr>
-                <a:spLocks noGrp="1" noRot="1" noChangeAspect="1" noMove="1" noResize="1" noEditPoints="1" noAdjustHandles="1" noChangeArrowheads="1" noChangeShapeType="1" noTextEdit="1"/>
-              </p:cNvSpPr>
-              <p:nvPr>
-                <p:ph idx="1"/>
-              </p:nvPr>
-            </p:nvSpPr>
-            <p:spPr>
-              <a:blipFill>
-                <a:blip r:embed="rId3"/>
-                <a:stretch>
-                  <a:fillRect l="-1206" t="-2326"/>
-                </a:stretch>
-              </a:blipFill>
-            </p:spPr>
-            <p:txBody>
-              <a:bodyPr/>
-              <a:lstStyle/>
-              <a:p>
-                <a:r>
-                  <a:rPr lang="en-US">
-                    <a:noFill/>
-                  </a:rPr>
-                  <a:t> </a:t>
-                </a:r>
-              </a:p>
-            </p:txBody>
-          </p:sp>
-        </mc:Fallback>
-      </mc:AlternateContent>
-      <p:pic>
-        <p:nvPicPr>
-          <p:cNvPr id="1026" name="Picture 2" descr="De Morgan's laws - Wikipedia">
-            <a:extLst>
-              <a:ext uri="{FF2B5EF4-FFF2-40B4-BE49-F238E27FC236}">
-                <a16:creationId xmlns:a16="http://schemas.microsoft.com/office/drawing/2014/main" id="{25DF1078-CB88-6CFF-CECE-00C86DC961D2}"/>
-              </a:ext>
-            </a:extLst>
-          </p:cNvPr>
-          <p:cNvPicPr>
-            <a:picLocks noChangeAspect="1" noChangeArrowheads="1"/>
-          </p:cNvPicPr>
-          <p:nvPr/>
-        </p:nvPicPr>
-        <p:blipFill>
-          <a:blip r:embed="rId4">
-            <a:extLst>
-              <a:ext uri="{28A0092B-C50C-407E-A947-70E740481C1C}">
-                <a14:useLocalDpi xmlns:a14="http://schemas.microsoft.com/office/drawing/2010/main" val="0"/>
-              </a:ext>
-            </a:extLst>
-          </a:blip>
-          <a:srcRect/>
-          <a:stretch>
-            <a:fillRect/>
-          </a:stretch>
-        </p:blipFill>
-        <p:spPr bwMode="auto">
-          <a:xfrm>
-            <a:off x="9002776" y="3136900"/>
-            <a:ext cx="2794000" cy="3721100"/>
-          </a:xfrm>
-          <a:prstGeom prst="rect">
-            <a:avLst/>
-          </a:prstGeom>
-          <a:noFill/>
-          <a:extLst>
-            <a:ext uri="{909E8E84-426E-40DD-AFC4-6F175D3DCCD1}">
-              <a14:hiddenFill xmlns:a14="http://schemas.microsoft.com/office/drawing/2010/main">
-                <a:solidFill>
-                  <a:srgbClr val="FFFFFF"/>
-                </a:solidFill>
-              </a14:hiddenFill>
-            </a:ext>
-          </a:extLst>
-        </p:spPr>
-      </p:pic>
-      <mc:AlternateContent xmlns:mc="http://schemas.openxmlformats.org/markup-compatibility/2006" xmlns:a14="http://schemas.microsoft.com/office/drawing/2010/main">
-        <mc:Choice Requires="a14">
-          <p:graphicFrame>
-            <p:nvGraphicFramePr>
-              <p:cNvPr id="4" name="Table 4">
-                <a:extLst>
-                  <a:ext uri="{FF2B5EF4-FFF2-40B4-BE49-F238E27FC236}">
-                    <a16:creationId xmlns:a16="http://schemas.microsoft.com/office/drawing/2014/main" id="{9D2E8C8B-ED2C-CC32-31FA-467877A412BC}"/>
-                  </a:ext>
-                </a:extLst>
-              </p:cNvPr>
-              <p:cNvGraphicFramePr>
-                <a:graphicFrameLocks noGrp="1"/>
-              </p:cNvGraphicFramePr>
-              <p:nvPr>
-                <p:extLst>
-                  <p:ext uri="{D42A27DB-BD31-4B8C-83A1-F6EECF244321}">
-                    <p14:modId xmlns:p14="http://schemas.microsoft.com/office/powerpoint/2010/main" val="1043948090"/>
-                  </p:ext>
-                </p:extLst>
-              </p:nvPr>
-            </p:nvGraphicFramePr>
-            <p:xfrm>
-              <a:off x="253281" y="2795587"/>
-              <a:ext cx="2856992" cy="1854200"/>
-            </p:xfrm>
-            <a:graphic>
-              <a:graphicData uri="http://schemas.openxmlformats.org/drawingml/2006/table">
-                <a:tbl>
-                  <a:tblPr firstRow="1" bandRow="1">
-                    <a:tableStyleId>{5C22544A-7EE6-4342-B048-85BDC9FD1C3A}</a:tableStyleId>
-                  </a:tblPr>
-                  <a:tblGrid>
-                    <a:gridCol w="276280">
-                      <a:extLst>
-                        <a:ext uri="{9D8B030D-6E8A-4147-A177-3AD203B41FA5}">
-                          <a16:colId xmlns:a16="http://schemas.microsoft.com/office/drawing/2014/main" val="307721341"/>
-                        </a:ext>
-                      </a:extLst>
-                    </a:gridCol>
-                    <a:gridCol w="357909">
-                      <a:extLst>
-                        <a:ext uri="{9D8B030D-6E8A-4147-A177-3AD203B41FA5}">
-                          <a16:colId xmlns:a16="http://schemas.microsoft.com/office/drawing/2014/main" val="3920982122"/>
-                        </a:ext>
-                      </a:extLst>
-                    </a:gridCol>
-                    <a:gridCol w="918258">
-                      <a:extLst>
-                        <a:ext uri="{9D8B030D-6E8A-4147-A177-3AD203B41FA5}">
-                          <a16:colId xmlns:a16="http://schemas.microsoft.com/office/drawing/2014/main" val="1258310372"/>
-                        </a:ext>
-                      </a:extLst>
-                    </a:gridCol>
-                    <a:gridCol w="1304545">
-                      <a:extLst>
-                        <a:ext uri="{9D8B030D-6E8A-4147-A177-3AD203B41FA5}">
-                          <a16:colId xmlns:a16="http://schemas.microsoft.com/office/drawing/2014/main" val="3818911712"/>
-                        </a:ext>
-                      </a:extLst>
-                    </a:gridCol>
-                  </a:tblGrid>
-                  <a:tr h="370840">
-                    <a:tc>
-                      <a:txBody>
-                        <a:bodyPr/>
-                        <a:lstStyle/>
-                        <a:p>
-                          <a:r>
-                            <a:rPr lang="en-US" b="0" dirty="0"/>
-                            <a:t>P</a:t>
-                          </a:r>
-                        </a:p>
-                      </a:txBody>
-                      <a:tcPr/>
-                    </a:tc>
-                    <a:tc>
-                      <a:txBody>
-                        <a:bodyPr/>
-                        <a:lstStyle/>
-                        <a:p>
-                          <a:r>
-                            <a:rPr lang="en-US" b="0" dirty="0"/>
-                            <a:t>Q</a:t>
-                          </a:r>
-                        </a:p>
-                      </a:txBody>
-                      <a:tcPr/>
-                    </a:tc>
-                    <a:tc>
-                      <a:txBody>
-                        <a:bodyPr/>
-                        <a:lstStyle/>
-                        <a:p>
-                          <a:r>
-                            <a:rPr lang="en-US" b="0" dirty="0"/>
-                            <a:t>(P</a:t>
-                          </a:r>
-                          <a14:m>
-                            <m:oMath xmlns:m="http://schemas.openxmlformats.org/officeDocument/2006/math">
-                              <m:r>
-                                <a:rPr lang="en-US" sz="1800" b="0" i="1" smtClean="0">
-                                  <a:latin typeface="Cambria Math" panose="02040503050406030204" pitchFamily="18" charset="0"/>
-                                </a:rPr>
-                                <m:t>∧</m:t>
-                              </m:r>
-                              <m:r>
-                                <m:rPr>
-                                  <m:sty m:val="p"/>
-                                </m:rPr>
-                                <a:rPr lang="en-US" sz="1800" b="0" i="0" smtClean="0">
-                                  <a:latin typeface="Cambria Math" panose="02040503050406030204" pitchFamily="18" charset="0"/>
-                                </a:rPr>
-                                <m:t>Q</m:t>
-                              </m:r>
-                              <m:r>
-                                <a:rPr lang="en-US" sz="1800" b="0" i="0" smtClean="0">
-                                  <a:latin typeface="Cambria Math" panose="02040503050406030204" pitchFamily="18" charset="0"/>
-                                </a:rPr>
-                                <m:t>)</m:t>
-                              </m:r>
-                            </m:oMath>
-                          </a14:m>
-                          <a:endParaRPr lang="en-US" b="0" dirty="0"/>
-                        </a:p>
-                      </a:txBody>
-                      <a:tcPr/>
-                    </a:tc>
-                    <a:tc>
-                      <a:txBody>
-                        <a:bodyPr/>
-                        <a:lstStyle/>
-                        <a:p>
-                          <a14:m>
-                            <m:oMath xmlns:m="http://schemas.openxmlformats.org/officeDocument/2006/math">
-                              <m:r>
-                                <a:rPr lang="en-US" sz="1800" b="0" i="1" smtClean="0">
-                                  <a:latin typeface="Cambria Math" panose="02040503050406030204" pitchFamily="18" charset="0"/>
-                                </a:rPr>
-                                <m:t>¬</m:t>
-                              </m:r>
-                            </m:oMath>
-                          </a14:m>
-                          <a:r>
-                            <a:rPr lang="en-US" dirty="0"/>
-                            <a:t>(P</a:t>
-                          </a:r>
-                          <a14:m>
-                            <m:oMath xmlns:m="http://schemas.openxmlformats.org/officeDocument/2006/math">
-                              <m:r>
-                                <a:rPr lang="en-US" sz="1800" b="0" i="1" smtClean="0">
-                                  <a:latin typeface="Cambria Math" panose="02040503050406030204" pitchFamily="18" charset="0"/>
-                                </a:rPr>
-                                <m:t>∧</m:t>
-                              </m:r>
-                              <m:r>
-                                <a:rPr lang="en-US" sz="1800" b="1" i="0" smtClean="0">
-                                  <a:latin typeface="Cambria Math" panose="02040503050406030204" pitchFamily="18" charset="0"/>
-                                </a:rPr>
-                                <m:t>𝐐</m:t>
-                              </m:r>
-                            </m:oMath>
-                          </a14:m>
-                          <a:r>
-                            <a:rPr lang="en-US" dirty="0"/>
-                            <a:t>)</a:t>
-                          </a:r>
-                        </a:p>
-                      </a:txBody>
-                      <a:tcPr/>
-                    </a:tc>
-                    <a:extLst>
-                      <a:ext uri="{0D108BD9-81ED-4DB2-BD59-A6C34878D82A}">
-                        <a16:rowId xmlns:a16="http://schemas.microsoft.com/office/drawing/2014/main" val="2177869094"/>
-                      </a:ext>
-                    </a:extLst>
-                  </a:tr>
-                  <a:tr h="370840">
-                    <a:tc>
-                      <a:txBody>
-                        <a:bodyPr/>
-                        <a:lstStyle/>
-                        <a:p>
-                          <a:r>
-                            <a:rPr lang="en-US" dirty="0"/>
-                            <a:t>T</a:t>
-                          </a:r>
-                        </a:p>
-                      </a:txBody>
-                      <a:tcPr/>
-                    </a:tc>
-                    <a:tc>
-                      <a:txBody>
-                        <a:bodyPr/>
-                        <a:lstStyle/>
-                        <a:p>
-                          <a:r>
-                            <a:rPr lang="en-US" dirty="0"/>
-                            <a:t>T</a:t>
-                          </a:r>
-                        </a:p>
-                      </a:txBody>
-                      <a:tcPr/>
-                    </a:tc>
-                    <a:tc>
-                      <a:txBody>
-                        <a:bodyPr/>
-                        <a:lstStyle/>
-                        <a:p>
-                          <a:r>
-                            <a:rPr lang="en-US" dirty="0"/>
-                            <a:t>T</a:t>
-                          </a:r>
-                        </a:p>
-                      </a:txBody>
-                      <a:tcPr/>
-                    </a:tc>
-                    <a:tc>
-                      <a:txBody>
-                        <a:bodyPr/>
-                        <a:lstStyle/>
-                        <a:p>
-                          <a:r>
-                            <a:rPr lang="en-US" dirty="0"/>
-                            <a:t>F</a:t>
-                          </a:r>
-                        </a:p>
-                      </a:txBody>
-                      <a:tcPr/>
-                    </a:tc>
-                    <a:extLst>
-                      <a:ext uri="{0D108BD9-81ED-4DB2-BD59-A6C34878D82A}">
-                        <a16:rowId xmlns:a16="http://schemas.microsoft.com/office/drawing/2014/main" val="84263792"/>
-                      </a:ext>
-                    </a:extLst>
-                  </a:tr>
-                  <a:tr h="370840">
-                    <a:tc>
-                      <a:txBody>
-                        <a:bodyPr/>
-                        <a:lstStyle/>
-                        <a:p>
-                          <a:r>
-                            <a:rPr lang="en-US" dirty="0"/>
-                            <a:t>T</a:t>
-                          </a:r>
-                        </a:p>
-                      </a:txBody>
-                      <a:tcPr/>
-                    </a:tc>
-                    <a:tc>
-                      <a:txBody>
-                        <a:bodyPr/>
-                        <a:lstStyle/>
-                        <a:p>
-                          <a:r>
-                            <a:rPr lang="en-US" dirty="0"/>
-                            <a:t>F</a:t>
-                          </a:r>
-                        </a:p>
-                      </a:txBody>
-                      <a:tcPr/>
-                    </a:tc>
-                    <a:tc>
-                      <a:txBody>
-                        <a:bodyPr/>
-                        <a:lstStyle/>
-                        <a:p>
-                          <a:r>
-                            <a:rPr lang="en-US" dirty="0"/>
-                            <a:t>F</a:t>
-                          </a:r>
-                        </a:p>
-                      </a:txBody>
-                      <a:tcPr/>
-                    </a:tc>
-                    <a:tc>
-                      <a:txBody>
-                        <a:bodyPr/>
-                        <a:lstStyle/>
-                        <a:p>
-                          <a:r>
-                            <a:rPr lang="en-US" dirty="0"/>
-                            <a:t>T</a:t>
-                          </a:r>
-                        </a:p>
-                      </a:txBody>
-                      <a:tcPr/>
-                    </a:tc>
-                    <a:extLst>
-                      <a:ext uri="{0D108BD9-81ED-4DB2-BD59-A6C34878D82A}">
-                        <a16:rowId xmlns:a16="http://schemas.microsoft.com/office/drawing/2014/main" val="1886505781"/>
-                      </a:ext>
-                    </a:extLst>
-                  </a:tr>
-                  <a:tr h="370840">
-                    <a:tc>
-                      <a:txBody>
-                        <a:bodyPr/>
-                        <a:lstStyle/>
-                        <a:p>
-                          <a:r>
-                            <a:rPr lang="en-US" dirty="0"/>
-                            <a:t>F</a:t>
-                          </a:r>
-                        </a:p>
-                      </a:txBody>
-                      <a:tcPr/>
-                    </a:tc>
-                    <a:tc>
-                      <a:txBody>
-                        <a:bodyPr/>
-                        <a:lstStyle/>
-                        <a:p>
-                          <a:r>
-                            <a:rPr lang="en-US" dirty="0"/>
-                            <a:t>T</a:t>
-                          </a:r>
-                        </a:p>
-                      </a:txBody>
-                      <a:tcPr/>
-                    </a:tc>
-                    <a:tc>
-                      <a:txBody>
-                        <a:bodyPr/>
-                        <a:lstStyle/>
-                        <a:p>
-                          <a:r>
-                            <a:rPr lang="en-US" dirty="0"/>
-                            <a:t>F</a:t>
-                          </a:r>
-                        </a:p>
-                      </a:txBody>
-                      <a:tcPr/>
-                    </a:tc>
-                    <a:tc>
-                      <a:txBody>
-                        <a:bodyPr/>
-                        <a:lstStyle/>
-                        <a:p>
-                          <a:r>
-                            <a:rPr lang="en-US" dirty="0"/>
-                            <a:t>T</a:t>
-                          </a:r>
-                        </a:p>
-                      </a:txBody>
-                      <a:tcPr/>
-                    </a:tc>
-                    <a:extLst>
-                      <a:ext uri="{0D108BD9-81ED-4DB2-BD59-A6C34878D82A}">
-                        <a16:rowId xmlns:a16="http://schemas.microsoft.com/office/drawing/2014/main" val="2824165101"/>
-                      </a:ext>
-                    </a:extLst>
-                  </a:tr>
-                  <a:tr h="370840">
-                    <a:tc>
-                      <a:txBody>
-                        <a:bodyPr/>
-                        <a:lstStyle/>
-                        <a:p>
-                          <a:r>
-                            <a:rPr lang="en-US" dirty="0"/>
-                            <a:t>F</a:t>
-                          </a:r>
-                        </a:p>
-                      </a:txBody>
-                      <a:tcPr/>
-                    </a:tc>
-                    <a:tc>
-                      <a:txBody>
-                        <a:bodyPr/>
-                        <a:lstStyle/>
-                        <a:p>
-                          <a:r>
-                            <a:rPr lang="en-US" dirty="0"/>
-                            <a:t>F</a:t>
-                          </a:r>
-                        </a:p>
-                      </a:txBody>
-                      <a:tcPr/>
-                    </a:tc>
-                    <a:tc>
-                      <a:txBody>
-                        <a:bodyPr/>
-                        <a:lstStyle/>
-                        <a:p>
-                          <a:r>
-                            <a:rPr lang="en-US" dirty="0"/>
-                            <a:t>F</a:t>
-                          </a:r>
-                        </a:p>
-                      </a:txBody>
-                      <a:tcPr/>
-                    </a:tc>
-                    <a:tc>
-                      <a:txBody>
-                        <a:bodyPr/>
-                        <a:lstStyle/>
-                        <a:p>
-                          <a:r>
-                            <a:rPr lang="en-US" dirty="0"/>
-                            <a:t>T</a:t>
-                          </a:r>
-                        </a:p>
-                      </a:txBody>
-                      <a:tcPr/>
-                    </a:tc>
-                    <a:extLst>
-                      <a:ext uri="{0D108BD9-81ED-4DB2-BD59-A6C34878D82A}">
-                        <a16:rowId xmlns:a16="http://schemas.microsoft.com/office/drawing/2014/main" val="885008832"/>
-                      </a:ext>
-                    </a:extLst>
-                  </a:tr>
-                </a:tbl>
-              </a:graphicData>
-            </a:graphic>
-          </p:graphicFrame>
-        </mc:Choice>
-        <mc:Fallback xmlns="">
-          <p:graphicFrame>
-            <p:nvGraphicFramePr>
-              <p:cNvPr id="4" name="Table 4">
-                <a:extLst>
-                  <a:ext uri="{FF2B5EF4-FFF2-40B4-BE49-F238E27FC236}">
-                    <a16:creationId xmlns:a16="http://schemas.microsoft.com/office/drawing/2014/main" id="{9D2E8C8B-ED2C-CC32-31FA-467877A412BC}"/>
-                  </a:ext>
-                </a:extLst>
-              </p:cNvPr>
-              <p:cNvGraphicFramePr>
-                <a:graphicFrameLocks noGrp="1"/>
-              </p:cNvGraphicFramePr>
-              <p:nvPr>
-                <p:extLst>
-                  <p:ext uri="{D42A27DB-BD31-4B8C-83A1-F6EECF244321}">
-                    <p14:modId xmlns:p14="http://schemas.microsoft.com/office/powerpoint/2010/main" val="1043948090"/>
-                  </p:ext>
-                </p:extLst>
-              </p:nvPr>
-            </p:nvGraphicFramePr>
-            <p:xfrm>
-              <a:off x="253281" y="2795587"/>
-              <a:ext cx="2856992" cy="1854200"/>
-            </p:xfrm>
-            <a:graphic>
-              <a:graphicData uri="http://schemas.openxmlformats.org/drawingml/2006/table">
-                <a:tbl>
-                  <a:tblPr firstRow="1" bandRow="1">
-                    <a:tableStyleId>{5C22544A-7EE6-4342-B048-85BDC9FD1C3A}</a:tableStyleId>
-                  </a:tblPr>
-                  <a:tblGrid>
-                    <a:gridCol w="276280">
-                      <a:extLst>
-                        <a:ext uri="{9D8B030D-6E8A-4147-A177-3AD203B41FA5}">
-                          <a16:colId xmlns:a16="http://schemas.microsoft.com/office/drawing/2014/main" val="307721341"/>
-                        </a:ext>
-                      </a:extLst>
-                    </a:gridCol>
-                    <a:gridCol w="357909">
-                      <a:extLst>
-                        <a:ext uri="{9D8B030D-6E8A-4147-A177-3AD203B41FA5}">
-                          <a16:colId xmlns:a16="http://schemas.microsoft.com/office/drawing/2014/main" val="3920982122"/>
-                        </a:ext>
-                      </a:extLst>
-                    </a:gridCol>
-                    <a:gridCol w="918258">
-                      <a:extLst>
-                        <a:ext uri="{9D8B030D-6E8A-4147-A177-3AD203B41FA5}">
-                          <a16:colId xmlns:a16="http://schemas.microsoft.com/office/drawing/2014/main" val="1258310372"/>
-                        </a:ext>
-                      </a:extLst>
-                    </a:gridCol>
-                    <a:gridCol w="1304545">
-                      <a:extLst>
-                        <a:ext uri="{9D8B030D-6E8A-4147-A177-3AD203B41FA5}">
-                          <a16:colId xmlns:a16="http://schemas.microsoft.com/office/drawing/2014/main" val="3818911712"/>
-                        </a:ext>
-                      </a:extLst>
-                    </a:gridCol>
-                  </a:tblGrid>
-                  <a:tr h="370840">
-                    <a:tc>
-                      <a:txBody>
-                        <a:bodyPr/>
-                        <a:lstStyle/>
-                        <a:p>
-                          <a:r>
-                            <a:rPr lang="en-US" b="0" dirty="0"/>
-                            <a:t>P</a:t>
-                          </a:r>
-                        </a:p>
-                      </a:txBody>
-                      <a:tcPr/>
-                    </a:tc>
-                    <a:tc>
-                      <a:txBody>
-                        <a:bodyPr/>
-                        <a:lstStyle/>
-                        <a:p>
-                          <a:r>
-                            <a:rPr lang="en-US" b="0" dirty="0"/>
-                            <a:t>Q</a:t>
-                          </a:r>
-                        </a:p>
-                      </a:txBody>
-                      <a:tcPr/>
-                    </a:tc>
-                    <a:tc>
-                      <a:txBody>
-                        <a:bodyPr/>
-                        <a:lstStyle/>
-                        <a:p>
-                          <a:endParaRPr lang="en-US"/>
-                        </a:p>
-                      </a:txBody>
-                      <a:tcPr>
-                        <a:blipFill>
-                          <a:blip r:embed="rId5"/>
-                          <a:stretch>
-                            <a:fillRect l="-68493" t="-10345" r="-145205" b="-431034"/>
-                          </a:stretch>
-                        </a:blipFill>
-                      </a:tcPr>
-                    </a:tc>
-                    <a:tc>
-                      <a:txBody>
-                        <a:bodyPr/>
-                        <a:lstStyle/>
-                        <a:p>
-                          <a:endParaRPr lang="en-US"/>
-                        </a:p>
-                      </a:txBody>
-                      <a:tcPr>
-                        <a:blipFill>
-                          <a:blip r:embed="rId5"/>
-                          <a:stretch>
-                            <a:fillRect l="-119417" t="-10345" r="-2913" b="-431034"/>
-                          </a:stretch>
-                        </a:blipFill>
-                      </a:tcPr>
-                    </a:tc>
-                    <a:extLst>
-                      <a:ext uri="{0D108BD9-81ED-4DB2-BD59-A6C34878D82A}">
-                        <a16:rowId xmlns:a16="http://schemas.microsoft.com/office/drawing/2014/main" val="2177869094"/>
-                      </a:ext>
-                    </a:extLst>
-                  </a:tr>
-                  <a:tr h="370840">
-                    <a:tc>
-                      <a:txBody>
-                        <a:bodyPr/>
-                        <a:lstStyle/>
-                        <a:p>
-                          <a:r>
-                            <a:rPr lang="en-US" dirty="0"/>
-                            <a:t>T</a:t>
-                          </a:r>
-                        </a:p>
-                      </a:txBody>
-                      <a:tcPr/>
-                    </a:tc>
-                    <a:tc>
-                      <a:txBody>
-                        <a:bodyPr/>
-                        <a:lstStyle/>
-                        <a:p>
-                          <a:r>
-                            <a:rPr lang="en-US" dirty="0"/>
-                            <a:t>T</a:t>
-                          </a:r>
-                        </a:p>
-                      </a:txBody>
-                      <a:tcPr/>
-                    </a:tc>
-                    <a:tc>
-                      <a:txBody>
-                        <a:bodyPr/>
-                        <a:lstStyle/>
-                        <a:p>
-                          <a:r>
-                            <a:rPr lang="en-US" dirty="0"/>
-                            <a:t>T</a:t>
-                          </a:r>
-                        </a:p>
-                      </a:txBody>
-                      <a:tcPr/>
-                    </a:tc>
-                    <a:tc>
-                      <a:txBody>
-                        <a:bodyPr/>
-                        <a:lstStyle/>
-                        <a:p>
-                          <a:r>
-                            <a:rPr lang="en-US" dirty="0"/>
-                            <a:t>F</a:t>
-                          </a:r>
-                        </a:p>
-                      </a:txBody>
-                      <a:tcPr/>
-                    </a:tc>
-                    <a:extLst>
-                      <a:ext uri="{0D108BD9-81ED-4DB2-BD59-A6C34878D82A}">
-                        <a16:rowId xmlns:a16="http://schemas.microsoft.com/office/drawing/2014/main" val="84263792"/>
-                      </a:ext>
-                    </a:extLst>
-                  </a:tr>
-                  <a:tr h="370840">
-                    <a:tc>
-                      <a:txBody>
-                        <a:bodyPr/>
-                        <a:lstStyle/>
-                        <a:p>
-                          <a:r>
-                            <a:rPr lang="en-US" dirty="0"/>
-                            <a:t>T</a:t>
-                          </a:r>
-                        </a:p>
-                      </a:txBody>
-                      <a:tcPr/>
-                    </a:tc>
-                    <a:tc>
-                      <a:txBody>
-                        <a:bodyPr/>
-                        <a:lstStyle/>
-                        <a:p>
-                          <a:r>
-                            <a:rPr lang="en-US" dirty="0"/>
-                            <a:t>F</a:t>
-                          </a:r>
-                        </a:p>
-                      </a:txBody>
-                      <a:tcPr/>
-                    </a:tc>
-                    <a:tc>
-                      <a:txBody>
-                        <a:bodyPr/>
-                        <a:lstStyle/>
-                        <a:p>
-                          <a:r>
-                            <a:rPr lang="en-US" dirty="0"/>
-                            <a:t>F</a:t>
-                          </a:r>
-                        </a:p>
-                      </a:txBody>
-                      <a:tcPr/>
-                    </a:tc>
-                    <a:tc>
-                      <a:txBody>
-                        <a:bodyPr/>
-                        <a:lstStyle/>
-                        <a:p>
-                          <a:r>
-                            <a:rPr lang="en-US" dirty="0"/>
-                            <a:t>T</a:t>
-                          </a:r>
-                        </a:p>
-                      </a:txBody>
-                      <a:tcPr/>
-                    </a:tc>
-                    <a:extLst>
-                      <a:ext uri="{0D108BD9-81ED-4DB2-BD59-A6C34878D82A}">
-                        <a16:rowId xmlns:a16="http://schemas.microsoft.com/office/drawing/2014/main" val="1886505781"/>
-                      </a:ext>
-                    </a:extLst>
-                  </a:tr>
-                  <a:tr h="370840">
-                    <a:tc>
-                      <a:txBody>
-                        <a:bodyPr/>
-                        <a:lstStyle/>
-                        <a:p>
-                          <a:r>
-                            <a:rPr lang="en-US" dirty="0"/>
-                            <a:t>F</a:t>
-                          </a:r>
-                        </a:p>
-                      </a:txBody>
-                      <a:tcPr/>
-                    </a:tc>
-                    <a:tc>
-                      <a:txBody>
-                        <a:bodyPr/>
-                        <a:lstStyle/>
-                        <a:p>
-                          <a:r>
-                            <a:rPr lang="en-US" dirty="0"/>
-                            <a:t>T</a:t>
-                          </a:r>
-                        </a:p>
-                      </a:txBody>
-                      <a:tcPr/>
-                    </a:tc>
-                    <a:tc>
-                      <a:txBody>
-                        <a:bodyPr/>
-                        <a:lstStyle/>
-                        <a:p>
-                          <a:r>
-                            <a:rPr lang="en-US" dirty="0"/>
-                            <a:t>F</a:t>
-                          </a:r>
-                        </a:p>
-                      </a:txBody>
-                      <a:tcPr/>
-                    </a:tc>
-                    <a:tc>
-                      <a:txBody>
-                        <a:bodyPr/>
-                        <a:lstStyle/>
-                        <a:p>
-                          <a:r>
-                            <a:rPr lang="en-US" dirty="0"/>
-                            <a:t>T</a:t>
-                          </a:r>
-                        </a:p>
-                      </a:txBody>
-                      <a:tcPr/>
-                    </a:tc>
-                    <a:extLst>
-                      <a:ext uri="{0D108BD9-81ED-4DB2-BD59-A6C34878D82A}">
-                        <a16:rowId xmlns:a16="http://schemas.microsoft.com/office/drawing/2014/main" val="2824165101"/>
-                      </a:ext>
-                    </a:extLst>
-                  </a:tr>
-                  <a:tr h="370840">
-                    <a:tc>
-                      <a:txBody>
-                        <a:bodyPr/>
-                        <a:lstStyle/>
-                        <a:p>
-                          <a:r>
-                            <a:rPr lang="en-US" dirty="0"/>
-                            <a:t>F</a:t>
-                          </a:r>
-                        </a:p>
-                      </a:txBody>
-                      <a:tcPr/>
-                    </a:tc>
-                    <a:tc>
-                      <a:txBody>
-                        <a:bodyPr/>
-                        <a:lstStyle/>
-                        <a:p>
-                          <a:r>
-                            <a:rPr lang="en-US" dirty="0"/>
-                            <a:t>F</a:t>
-                          </a:r>
-                        </a:p>
-                      </a:txBody>
-                      <a:tcPr/>
-                    </a:tc>
-                    <a:tc>
-                      <a:txBody>
-                        <a:bodyPr/>
-                        <a:lstStyle/>
-                        <a:p>
-                          <a:r>
-                            <a:rPr lang="en-US" dirty="0"/>
-                            <a:t>F</a:t>
-                          </a:r>
-                        </a:p>
-                      </a:txBody>
-                      <a:tcPr/>
-                    </a:tc>
-                    <a:tc>
-                      <a:txBody>
-                        <a:bodyPr/>
-                        <a:lstStyle/>
-                        <a:p>
-                          <a:r>
-                            <a:rPr lang="en-US" dirty="0"/>
-                            <a:t>T</a:t>
-                          </a:r>
-                        </a:p>
-                      </a:txBody>
-                      <a:tcPr/>
-                    </a:tc>
-                    <a:extLst>
-                      <a:ext uri="{0D108BD9-81ED-4DB2-BD59-A6C34878D82A}">
-                        <a16:rowId xmlns:a16="http://schemas.microsoft.com/office/drawing/2014/main" val="885008832"/>
-                      </a:ext>
-                    </a:extLst>
-                  </a:tr>
-                </a:tbl>
-              </a:graphicData>
-            </a:graphic>
-          </p:graphicFrame>
-        </mc:Fallback>
-      </mc:AlternateContent>
-      <mc:AlternateContent xmlns:mc="http://schemas.openxmlformats.org/markup-compatibility/2006" xmlns:a14="http://schemas.microsoft.com/office/drawing/2010/main">
-        <mc:Choice Requires="a14">
-          <p:graphicFrame>
-            <p:nvGraphicFramePr>
-              <p:cNvPr id="5" name="Table 4">
-                <a:extLst>
-                  <a:ext uri="{FF2B5EF4-FFF2-40B4-BE49-F238E27FC236}">
-                    <a16:creationId xmlns:a16="http://schemas.microsoft.com/office/drawing/2014/main" id="{6D4C50A1-7AAC-20E0-0D76-AA35F58D5943}"/>
-                  </a:ext>
-                </a:extLst>
-              </p:cNvPr>
-              <p:cNvGraphicFramePr>
-                <a:graphicFrameLocks noGrp="1"/>
-              </p:cNvGraphicFramePr>
-              <p:nvPr>
-                <p:extLst>
-                  <p:ext uri="{D42A27DB-BD31-4B8C-83A1-F6EECF244321}">
-                    <p14:modId xmlns:p14="http://schemas.microsoft.com/office/powerpoint/2010/main" val="3290803220"/>
-                  </p:ext>
-                </p:extLst>
-              </p:nvPr>
-            </p:nvGraphicFramePr>
-            <p:xfrm>
-              <a:off x="253281" y="4734560"/>
-              <a:ext cx="2858341" cy="2123440"/>
-            </p:xfrm>
-            <a:graphic>
-              <a:graphicData uri="http://schemas.openxmlformats.org/drawingml/2006/table">
-                <a:tbl>
-                  <a:tblPr firstRow="1" bandRow="1">
-                    <a:tableStyleId>{5C22544A-7EE6-4342-B048-85BDC9FD1C3A}</a:tableStyleId>
-                  </a:tblPr>
-                  <a:tblGrid>
-                    <a:gridCol w="362397">
-                      <a:extLst>
-                        <a:ext uri="{9D8B030D-6E8A-4147-A177-3AD203B41FA5}">
-                          <a16:colId xmlns:a16="http://schemas.microsoft.com/office/drawing/2014/main" val="307721341"/>
-                        </a:ext>
-                      </a:extLst>
-                    </a:gridCol>
-                    <a:gridCol w="390144">
-                      <a:extLst>
-                        <a:ext uri="{9D8B030D-6E8A-4147-A177-3AD203B41FA5}">
-                          <a16:colId xmlns:a16="http://schemas.microsoft.com/office/drawing/2014/main" val="3920982122"/>
-                        </a:ext>
-                      </a:extLst>
-                    </a:gridCol>
-                    <a:gridCol w="560832">
-                      <a:extLst>
-                        <a:ext uri="{9D8B030D-6E8A-4147-A177-3AD203B41FA5}">
-                          <a16:colId xmlns:a16="http://schemas.microsoft.com/office/drawing/2014/main" val="1258310372"/>
-                        </a:ext>
-                      </a:extLst>
-                    </a:gridCol>
-                    <a:gridCol w="454651">
-                      <a:extLst>
-                        <a:ext uri="{9D8B030D-6E8A-4147-A177-3AD203B41FA5}">
-                          <a16:colId xmlns:a16="http://schemas.microsoft.com/office/drawing/2014/main" val="3818911712"/>
-                        </a:ext>
-                      </a:extLst>
-                    </a:gridCol>
-                    <a:gridCol w="1090317">
-                      <a:extLst>
-                        <a:ext uri="{9D8B030D-6E8A-4147-A177-3AD203B41FA5}">
-                          <a16:colId xmlns:a16="http://schemas.microsoft.com/office/drawing/2014/main" val="3938468005"/>
-                        </a:ext>
-                      </a:extLst>
-                    </a:gridCol>
-                  </a:tblGrid>
-                  <a:tr h="370840">
-                    <a:tc>
-                      <a:txBody>
-                        <a:bodyPr/>
-                        <a:lstStyle/>
-                        <a:p>
-                          <a:r>
-                            <a:rPr lang="en-US" b="0" dirty="0"/>
-                            <a:t>P</a:t>
-                          </a:r>
-                        </a:p>
-                      </a:txBody>
-                      <a:tcPr/>
-                    </a:tc>
-                    <a:tc>
-                      <a:txBody>
-                        <a:bodyPr/>
-                        <a:lstStyle/>
-                        <a:p>
-                          <a:r>
-                            <a:rPr lang="en-US" b="0" dirty="0"/>
-                            <a:t>Q</a:t>
-                          </a:r>
-                        </a:p>
-                      </a:txBody>
-                      <a:tcPr/>
-                    </a:tc>
-                    <a:tc>
-                      <a:txBody>
-                        <a:bodyPr/>
-                        <a:lstStyle/>
-                        <a:p>
-                          <a:pPr/>
-                          <a14:m>
-                            <m:oMathPara xmlns:m="http://schemas.openxmlformats.org/officeDocument/2006/math">
-                              <m:oMathParaPr>
-                                <m:jc m:val="centerGroup"/>
-                              </m:oMathParaPr>
-                              <m:oMath xmlns:m="http://schemas.openxmlformats.org/officeDocument/2006/math">
-                                <m:r>
-                                  <a:rPr lang="en-US" sz="1800" b="0" i="1" smtClean="0">
-                                    <a:latin typeface="Cambria Math" panose="02040503050406030204" pitchFamily="18" charset="0"/>
-                                  </a:rPr>
-                                  <m:t>¬</m:t>
-                                </m:r>
-                                <m:r>
-                                  <m:rPr>
-                                    <m:sty m:val="p"/>
-                                  </m:rPr>
-                                  <a:rPr lang="en-US" sz="1800" b="0" i="0" smtClean="0">
-                                    <a:latin typeface="Cambria Math" panose="02040503050406030204" pitchFamily="18" charset="0"/>
-                                  </a:rPr>
-                                  <m:t>P</m:t>
-                                </m:r>
-                              </m:oMath>
-                            </m:oMathPara>
-                          </a14:m>
-                          <a:endParaRPr lang="en-US" b="0" dirty="0"/>
-                        </a:p>
-                      </a:txBody>
-                      <a:tcPr/>
-                    </a:tc>
-                    <a:tc>
-                      <a:txBody>
-                        <a:bodyPr/>
-                        <a:lstStyle/>
-                        <a:p>
-                          <a:pPr/>
-                          <a14:m>
-                            <m:oMathPara xmlns:m="http://schemas.openxmlformats.org/officeDocument/2006/math">
-                              <m:oMathParaPr>
-                                <m:jc m:val="centerGroup"/>
-                              </m:oMathParaPr>
-                              <m:oMath xmlns:m="http://schemas.openxmlformats.org/officeDocument/2006/math">
-                                <m:r>
-                                  <a:rPr lang="en-US" sz="1800" b="0" i="1" smtClean="0">
-                                    <a:latin typeface="Cambria Math" panose="02040503050406030204" pitchFamily="18" charset="0"/>
-                                  </a:rPr>
-                                  <m:t>¬</m:t>
-                                </m:r>
-                                <m:r>
-                                  <m:rPr>
-                                    <m:sty m:val="p"/>
-                                  </m:rPr>
-                                  <a:rPr lang="en-US" sz="1800" b="0" i="0" smtClean="0">
-                                    <a:latin typeface="Cambria Math" panose="02040503050406030204" pitchFamily="18" charset="0"/>
-                                  </a:rPr>
-                                  <m:t>Q</m:t>
-                                </m:r>
-                              </m:oMath>
-                            </m:oMathPara>
-                          </a14:m>
-                          <a:endParaRPr lang="en-US" b="0" dirty="0"/>
-                        </a:p>
-                      </a:txBody>
-                      <a:tcPr/>
-                    </a:tc>
-                    <a:tc>
-                      <a:txBody>
-                        <a:bodyPr/>
-                        <a:lstStyle/>
-                        <a:p>
-                          <a:pPr marL="0" indent="0">
-                            <a:buNone/>
-                          </a:pPr>
-                          <a14:m>
-                            <m:oMathPara xmlns:m="http://schemas.openxmlformats.org/officeDocument/2006/math">
-                              <m:oMathParaPr>
-                                <m:jc m:val="centerGroup"/>
-                              </m:oMathParaPr>
-                              <m:oMath xmlns:m="http://schemas.openxmlformats.org/officeDocument/2006/math">
-                                <m:r>
-                                  <a:rPr lang="en-US" sz="1800" b="1" i="1" smtClean="0">
-                                    <a:latin typeface="Cambria Math" panose="02040503050406030204" pitchFamily="18" charset="0"/>
-                                  </a:rPr>
-                                  <m:t>¬</m:t>
-                                </m:r>
-                                <m:r>
-                                  <a:rPr lang="en-US" sz="1800" b="1" i="1" smtClean="0">
-                                    <a:latin typeface="Cambria Math" panose="02040503050406030204" pitchFamily="18" charset="0"/>
-                                  </a:rPr>
-                                  <m:t>𝑷</m:t>
-                                </m:r>
-                                <m:r>
-                                  <a:rPr lang="en-US" sz="1800" b="1" i="1" smtClean="0">
-                                    <a:latin typeface="Cambria Math" panose="02040503050406030204" pitchFamily="18" charset="0"/>
-                                  </a:rPr>
-                                  <m:t>∧¬</m:t>
-                                </m:r>
-                                <m:r>
-                                  <a:rPr lang="en-US" sz="1800" b="1" i="1" smtClean="0">
-                                    <a:latin typeface="Cambria Math" panose="02040503050406030204" pitchFamily="18" charset="0"/>
-                                  </a:rPr>
-                                  <m:t>𝑸</m:t>
-                                </m:r>
-                              </m:oMath>
-                            </m:oMathPara>
-                          </a14:m>
-                          <a:endParaRPr lang="en-US" sz="1800" b="1" i="1" dirty="0"/>
-                        </a:p>
-                        <a:p>
-                          <a:endParaRPr lang="en-US" dirty="0"/>
-                        </a:p>
-                      </a:txBody>
-                      <a:tcPr/>
-                    </a:tc>
-                    <a:extLst>
-                      <a:ext uri="{0D108BD9-81ED-4DB2-BD59-A6C34878D82A}">
-                        <a16:rowId xmlns:a16="http://schemas.microsoft.com/office/drawing/2014/main" val="2177869094"/>
-                      </a:ext>
-                    </a:extLst>
-                  </a:tr>
-                  <a:tr h="370840">
-                    <a:tc>
-                      <a:txBody>
-                        <a:bodyPr/>
-                        <a:lstStyle/>
-                        <a:p>
-                          <a:r>
-                            <a:rPr lang="en-US" dirty="0"/>
-                            <a:t>T</a:t>
-                          </a:r>
-                        </a:p>
-                      </a:txBody>
-                      <a:tcPr/>
-                    </a:tc>
-                    <a:tc>
-                      <a:txBody>
-                        <a:bodyPr/>
-                        <a:lstStyle/>
-                        <a:p>
-                          <a:r>
-                            <a:rPr lang="en-US" dirty="0"/>
-                            <a:t>T</a:t>
-                          </a:r>
-                        </a:p>
-                      </a:txBody>
-                      <a:tcPr/>
-                    </a:tc>
-                    <a:tc>
-                      <a:txBody>
-                        <a:bodyPr/>
-                        <a:lstStyle/>
-                        <a:p>
-                          <a:r>
-                            <a:rPr lang="en-US" dirty="0"/>
-                            <a:t>F</a:t>
-                          </a:r>
-                        </a:p>
-                      </a:txBody>
-                      <a:tcPr/>
-                    </a:tc>
-                    <a:tc>
-                      <a:txBody>
-                        <a:bodyPr/>
-                        <a:lstStyle/>
-                        <a:p>
-                          <a:r>
-                            <a:rPr lang="en-US" dirty="0"/>
-                            <a:t>F</a:t>
-                          </a:r>
-                        </a:p>
-                      </a:txBody>
-                      <a:tcPr/>
-                    </a:tc>
-                    <a:tc>
-                      <a:txBody>
-                        <a:bodyPr/>
-                        <a:lstStyle/>
-                        <a:p>
-                          <a:r>
-                            <a:rPr lang="en-US" dirty="0"/>
-                            <a:t>F</a:t>
-                          </a:r>
-                        </a:p>
-                      </a:txBody>
-                      <a:tcPr/>
-                    </a:tc>
-                    <a:extLst>
-                      <a:ext uri="{0D108BD9-81ED-4DB2-BD59-A6C34878D82A}">
-                        <a16:rowId xmlns:a16="http://schemas.microsoft.com/office/drawing/2014/main" val="84263792"/>
-                      </a:ext>
-                    </a:extLst>
-                  </a:tr>
-                  <a:tr h="370840">
-                    <a:tc>
-                      <a:txBody>
-                        <a:bodyPr/>
-                        <a:lstStyle/>
-                        <a:p>
-                          <a:r>
-                            <a:rPr lang="en-US" dirty="0"/>
-                            <a:t>T</a:t>
-                          </a:r>
-                        </a:p>
-                      </a:txBody>
-                      <a:tcPr/>
-                    </a:tc>
-                    <a:tc>
-                      <a:txBody>
-                        <a:bodyPr/>
-                        <a:lstStyle/>
-                        <a:p>
-                          <a:r>
-                            <a:rPr lang="en-US" dirty="0"/>
-                            <a:t>F</a:t>
-                          </a:r>
-                        </a:p>
-                      </a:txBody>
-                      <a:tcPr/>
-                    </a:tc>
-                    <a:tc>
-                      <a:txBody>
-                        <a:bodyPr/>
-                        <a:lstStyle/>
-                        <a:p>
-                          <a:r>
-                            <a:rPr lang="en-US" dirty="0"/>
-                            <a:t>F</a:t>
-                          </a:r>
-                        </a:p>
-                      </a:txBody>
-                      <a:tcPr/>
-                    </a:tc>
-                    <a:tc>
-                      <a:txBody>
-                        <a:bodyPr/>
-                        <a:lstStyle/>
-                        <a:p>
-                          <a:r>
-                            <a:rPr lang="en-US" dirty="0"/>
-                            <a:t>T</a:t>
-                          </a:r>
-                        </a:p>
-                      </a:txBody>
-                      <a:tcPr/>
-                    </a:tc>
-                    <a:tc>
-                      <a:txBody>
-                        <a:bodyPr/>
-                        <a:lstStyle/>
-                        <a:p>
-                          <a:r>
-                            <a:rPr lang="en-US" dirty="0"/>
-                            <a:t>T</a:t>
-                          </a:r>
-                        </a:p>
-                      </a:txBody>
-                      <a:tcPr/>
-                    </a:tc>
-                    <a:extLst>
-                      <a:ext uri="{0D108BD9-81ED-4DB2-BD59-A6C34878D82A}">
-                        <a16:rowId xmlns:a16="http://schemas.microsoft.com/office/drawing/2014/main" val="1886505781"/>
-                      </a:ext>
-                    </a:extLst>
-                  </a:tr>
-                  <a:tr h="370840">
-                    <a:tc>
-                      <a:txBody>
-                        <a:bodyPr/>
-                        <a:lstStyle/>
-                        <a:p>
-                          <a:r>
-                            <a:rPr lang="en-US" dirty="0"/>
-                            <a:t>F</a:t>
-                          </a:r>
-                        </a:p>
-                      </a:txBody>
-                      <a:tcPr/>
-                    </a:tc>
-                    <a:tc>
-                      <a:txBody>
-                        <a:bodyPr/>
-                        <a:lstStyle/>
-                        <a:p>
-                          <a:r>
-                            <a:rPr lang="en-US" dirty="0"/>
-                            <a:t>T</a:t>
-                          </a:r>
-                        </a:p>
-                      </a:txBody>
-                      <a:tcPr/>
-                    </a:tc>
-                    <a:tc>
-                      <a:txBody>
-                        <a:bodyPr/>
-                        <a:lstStyle/>
-                        <a:p>
-                          <a:r>
-                            <a:rPr lang="en-US" dirty="0"/>
-                            <a:t>T</a:t>
-                          </a:r>
-                        </a:p>
-                      </a:txBody>
-                      <a:tcPr/>
-                    </a:tc>
-                    <a:tc>
-                      <a:txBody>
-                        <a:bodyPr/>
-                        <a:lstStyle/>
-                        <a:p>
-                          <a:r>
-                            <a:rPr lang="en-US" dirty="0"/>
-                            <a:t>F</a:t>
-                          </a:r>
-                        </a:p>
-                      </a:txBody>
-                      <a:tcPr/>
-                    </a:tc>
-                    <a:tc>
-                      <a:txBody>
-                        <a:bodyPr/>
-                        <a:lstStyle/>
-                        <a:p>
-                          <a:r>
-                            <a:rPr lang="en-US" dirty="0"/>
-                            <a:t>T</a:t>
-                          </a:r>
-                        </a:p>
-                      </a:txBody>
-                      <a:tcPr/>
-                    </a:tc>
-                    <a:extLst>
-                      <a:ext uri="{0D108BD9-81ED-4DB2-BD59-A6C34878D82A}">
-                        <a16:rowId xmlns:a16="http://schemas.microsoft.com/office/drawing/2014/main" val="2824165101"/>
-                      </a:ext>
-                    </a:extLst>
-                  </a:tr>
-                  <a:tr h="370840">
-                    <a:tc>
-                      <a:txBody>
-                        <a:bodyPr/>
-                        <a:lstStyle/>
-                        <a:p>
-                          <a:r>
-                            <a:rPr lang="en-US" dirty="0"/>
-                            <a:t>F</a:t>
-                          </a:r>
-                        </a:p>
-                      </a:txBody>
-                      <a:tcPr/>
-                    </a:tc>
-                    <a:tc>
-                      <a:txBody>
-                        <a:bodyPr/>
-                        <a:lstStyle/>
-                        <a:p>
-                          <a:r>
-                            <a:rPr lang="en-US" dirty="0"/>
-                            <a:t>F</a:t>
-                          </a:r>
-                        </a:p>
-                      </a:txBody>
-                      <a:tcPr/>
-                    </a:tc>
-                    <a:tc>
-                      <a:txBody>
-                        <a:bodyPr/>
-                        <a:lstStyle/>
-                        <a:p>
-                          <a:r>
-                            <a:rPr lang="en-US" dirty="0"/>
-                            <a:t>T</a:t>
-                          </a:r>
-                        </a:p>
-                      </a:txBody>
-                      <a:tcPr/>
-                    </a:tc>
-                    <a:tc>
-                      <a:txBody>
-                        <a:bodyPr/>
-                        <a:lstStyle/>
-                        <a:p>
-                          <a:r>
-                            <a:rPr lang="en-US" dirty="0"/>
-                            <a:t>T</a:t>
-                          </a:r>
-                        </a:p>
-                      </a:txBody>
-                      <a:tcPr/>
-                    </a:tc>
-                    <a:tc>
-                      <a:txBody>
-                        <a:bodyPr/>
-                        <a:lstStyle/>
-                        <a:p>
-                          <a:r>
-                            <a:rPr lang="en-US" dirty="0"/>
-                            <a:t>T</a:t>
-                          </a:r>
-                        </a:p>
-                      </a:txBody>
-                      <a:tcPr/>
-                    </a:tc>
-                    <a:extLst>
-                      <a:ext uri="{0D108BD9-81ED-4DB2-BD59-A6C34878D82A}">
-                        <a16:rowId xmlns:a16="http://schemas.microsoft.com/office/drawing/2014/main" val="885008832"/>
-                      </a:ext>
-                    </a:extLst>
-                  </a:tr>
-                </a:tbl>
-              </a:graphicData>
-            </a:graphic>
-          </p:graphicFrame>
-        </mc:Choice>
-        <mc:Fallback xmlns="">
-          <p:graphicFrame>
-            <p:nvGraphicFramePr>
-              <p:cNvPr id="5" name="Table 4">
-                <a:extLst>
-                  <a:ext uri="{FF2B5EF4-FFF2-40B4-BE49-F238E27FC236}">
-                    <a16:creationId xmlns:a16="http://schemas.microsoft.com/office/drawing/2014/main" id="{6D4C50A1-7AAC-20E0-0D76-AA35F58D5943}"/>
-                  </a:ext>
-                </a:extLst>
-              </p:cNvPr>
-              <p:cNvGraphicFramePr>
-                <a:graphicFrameLocks noGrp="1"/>
-              </p:cNvGraphicFramePr>
-              <p:nvPr>
-                <p:extLst>
-                  <p:ext uri="{D42A27DB-BD31-4B8C-83A1-F6EECF244321}">
-                    <p14:modId xmlns:p14="http://schemas.microsoft.com/office/powerpoint/2010/main" val="3290803220"/>
-                  </p:ext>
-                </p:extLst>
-              </p:nvPr>
-            </p:nvGraphicFramePr>
-            <p:xfrm>
-              <a:off x="253281" y="4734560"/>
-              <a:ext cx="2858341" cy="2123440"/>
-            </p:xfrm>
-            <a:graphic>
-              <a:graphicData uri="http://schemas.openxmlformats.org/drawingml/2006/table">
-                <a:tbl>
-                  <a:tblPr firstRow="1" bandRow="1">
-                    <a:tableStyleId>{5C22544A-7EE6-4342-B048-85BDC9FD1C3A}</a:tableStyleId>
-                  </a:tblPr>
-                  <a:tblGrid>
-                    <a:gridCol w="362397">
-                      <a:extLst>
-                        <a:ext uri="{9D8B030D-6E8A-4147-A177-3AD203B41FA5}">
-                          <a16:colId xmlns:a16="http://schemas.microsoft.com/office/drawing/2014/main" val="307721341"/>
-                        </a:ext>
-                      </a:extLst>
-                    </a:gridCol>
-                    <a:gridCol w="390144">
-                      <a:extLst>
-                        <a:ext uri="{9D8B030D-6E8A-4147-A177-3AD203B41FA5}">
-                          <a16:colId xmlns:a16="http://schemas.microsoft.com/office/drawing/2014/main" val="3920982122"/>
-                        </a:ext>
-                      </a:extLst>
-                    </a:gridCol>
-                    <a:gridCol w="560832">
-                      <a:extLst>
-                        <a:ext uri="{9D8B030D-6E8A-4147-A177-3AD203B41FA5}">
-                          <a16:colId xmlns:a16="http://schemas.microsoft.com/office/drawing/2014/main" val="1258310372"/>
-                        </a:ext>
-                      </a:extLst>
-                    </a:gridCol>
-                    <a:gridCol w="454651">
-                      <a:extLst>
-                        <a:ext uri="{9D8B030D-6E8A-4147-A177-3AD203B41FA5}">
-                          <a16:colId xmlns:a16="http://schemas.microsoft.com/office/drawing/2014/main" val="3818911712"/>
-                        </a:ext>
-                      </a:extLst>
-                    </a:gridCol>
-                    <a:gridCol w="1090317">
-                      <a:extLst>
-                        <a:ext uri="{9D8B030D-6E8A-4147-A177-3AD203B41FA5}">
-                          <a16:colId xmlns:a16="http://schemas.microsoft.com/office/drawing/2014/main" val="3938468005"/>
-                        </a:ext>
-                      </a:extLst>
-                    </a:gridCol>
-                  </a:tblGrid>
-                  <a:tr h="640080">
-                    <a:tc>
-                      <a:txBody>
-                        <a:bodyPr/>
-                        <a:lstStyle/>
-                        <a:p>
-                          <a:r>
-                            <a:rPr lang="en-US" b="0" dirty="0"/>
-                            <a:t>P</a:t>
-                          </a:r>
-                        </a:p>
-                      </a:txBody>
-                      <a:tcPr/>
-                    </a:tc>
-                    <a:tc>
-                      <a:txBody>
-                        <a:bodyPr/>
-                        <a:lstStyle/>
-                        <a:p>
-                          <a:r>
-                            <a:rPr lang="en-US" b="0" dirty="0"/>
-                            <a:t>Q</a:t>
-                          </a:r>
-                        </a:p>
-                      </a:txBody>
-                      <a:tcPr/>
-                    </a:tc>
-                    <a:tc>
-                      <a:txBody>
-                        <a:bodyPr/>
-                        <a:lstStyle/>
-                        <a:p>
-                          <a:endParaRPr lang="en-US"/>
-                        </a:p>
-                      </a:txBody>
-                      <a:tcPr>
-                        <a:blipFill>
-                          <a:blip r:embed="rId6"/>
-                          <a:stretch>
-                            <a:fillRect l="-136364" t="-3922" r="-284091" b="-245098"/>
-                          </a:stretch>
-                        </a:blipFill>
-                      </a:tcPr>
-                    </a:tc>
-                    <a:tc>
-                      <a:txBody>
-                        <a:bodyPr/>
-                        <a:lstStyle/>
-                        <a:p>
-                          <a:endParaRPr lang="en-US"/>
-                        </a:p>
-                      </a:txBody>
-                      <a:tcPr>
-                        <a:blipFill>
-                          <a:blip r:embed="rId6"/>
-                          <a:stretch>
-                            <a:fillRect l="-288889" t="-3922" r="-247222" b="-245098"/>
-                          </a:stretch>
-                        </a:blipFill>
-                      </a:tcPr>
-                    </a:tc>
-                    <a:tc>
-                      <a:txBody>
-                        <a:bodyPr/>
-                        <a:lstStyle/>
-                        <a:p>
-                          <a:endParaRPr lang="en-US"/>
-                        </a:p>
-                      </a:txBody>
-                      <a:tcPr>
-                        <a:blipFill>
-                          <a:blip r:embed="rId6"/>
-                          <a:stretch>
-                            <a:fillRect l="-160920" t="-3922" r="-2299" b="-245098"/>
-                          </a:stretch>
-                        </a:blipFill>
-                      </a:tcPr>
-                    </a:tc>
-                    <a:extLst>
-                      <a:ext uri="{0D108BD9-81ED-4DB2-BD59-A6C34878D82A}">
-                        <a16:rowId xmlns:a16="http://schemas.microsoft.com/office/drawing/2014/main" val="2177869094"/>
-                      </a:ext>
-                    </a:extLst>
-                  </a:tr>
-                  <a:tr h="370840">
-                    <a:tc>
-                      <a:txBody>
-                        <a:bodyPr/>
-                        <a:lstStyle/>
-                        <a:p>
-                          <a:r>
-                            <a:rPr lang="en-US" dirty="0"/>
-                            <a:t>T</a:t>
-                          </a:r>
-                        </a:p>
-                      </a:txBody>
-                      <a:tcPr/>
-                    </a:tc>
-                    <a:tc>
-                      <a:txBody>
-                        <a:bodyPr/>
-                        <a:lstStyle/>
-                        <a:p>
-                          <a:r>
-                            <a:rPr lang="en-US" dirty="0"/>
-                            <a:t>T</a:t>
-                          </a:r>
-                        </a:p>
-                      </a:txBody>
-                      <a:tcPr/>
-                    </a:tc>
-                    <a:tc>
-                      <a:txBody>
-                        <a:bodyPr/>
-                        <a:lstStyle/>
-                        <a:p>
-                          <a:r>
-                            <a:rPr lang="en-US" dirty="0"/>
-                            <a:t>F</a:t>
-                          </a:r>
-                        </a:p>
-                      </a:txBody>
-                      <a:tcPr/>
-                    </a:tc>
-                    <a:tc>
-                      <a:txBody>
-                        <a:bodyPr/>
-                        <a:lstStyle/>
-                        <a:p>
-                          <a:r>
-                            <a:rPr lang="en-US" dirty="0"/>
-                            <a:t>F</a:t>
-                          </a:r>
-                        </a:p>
-                      </a:txBody>
-                      <a:tcPr/>
-                    </a:tc>
-                    <a:tc>
-                      <a:txBody>
-                        <a:bodyPr/>
-                        <a:lstStyle/>
-                        <a:p>
-                          <a:r>
-                            <a:rPr lang="en-US" dirty="0"/>
-                            <a:t>F</a:t>
-                          </a:r>
-                        </a:p>
-                      </a:txBody>
-                      <a:tcPr/>
-                    </a:tc>
-                    <a:extLst>
-                      <a:ext uri="{0D108BD9-81ED-4DB2-BD59-A6C34878D82A}">
-                        <a16:rowId xmlns:a16="http://schemas.microsoft.com/office/drawing/2014/main" val="84263792"/>
-                      </a:ext>
-                    </a:extLst>
-                  </a:tr>
-                  <a:tr h="370840">
-                    <a:tc>
-                      <a:txBody>
-                        <a:bodyPr/>
-                        <a:lstStyle/>
-                        <a:p>
-                          <a:r>
-                            <a:rPr lang="en-US" dirty="0"/>
-                            <a:t>T</a:t>
-                          </a:r>
-                        </a:p>
-                      </a:txBody>
-                      <a:tcPr/>
-                    </a:tc>
-                    <a:tc>
-                      <a:txBody>
-                        <a:bodyPr/>
-                        <a:lstStyle/>
-                        <a:p>
-                          <a:r>
-                            <a:rPr lang="en-US" dirty="0"/>
-                            <a:t>F</a:t>
-                          </a:r>
-                        </a:p>
-                      </a:txBody>
-                      <a:tcPr/>
-                    </a:tc>
-                    <a:tc>
-                      <a:txBody>
-                        <a:bodyPr/>
-                        <a:lstStyle/>
-                        <a:p>
-                          <a:r>
-                            <a:rPr lang="en-US" dirty="0"/>
-                            <a:t>F</a:t>
-                          </a:r>
-                        </a:p>
-                      </a:txBody>
-                      <a:tcPr/>
-                    </a:tc>
-                    <a:tc>
-                      <a:txBody>
-                        <a:bodyPr/>
-                        <a:lstStyle/>
-                        <a:p>
-                          <a:r>
-                            <a:rPr lang="en-US" dirty="0"/>
-                            <a:t>T</a:t>
-                          </a:r>
-                        </a:p>
-                      </a:txBody>
-                      <a:tcPr/>
-                    </a:tc>
-                    <a:tc>
-                      <a:txBody>
-                        <a:bodyPr/>
-                        <a:lstStyle/>
-                        <a:p>
-                          <a:r>
-                            <a:rPr lang="en-US" dirty="0"/>
-                            <a:t>T</a:t>
-                          </a:r>
-                        </a:p>
-                      </a:txBody>
-                      <a:tcPr/>
-                    </a:tc>
-                    <a:extLst>
-                      <a:ext uri="{0D108BD9-81ED-4DB2-BD59-A6C34878D82A}">
-                        <a16:rowId xmlns:a16="http://schemas.microsoft.com/office/drawing/2014/main" val="1886505781"/>
-                      </a:ext>
-                    </a:extLst>
-                  </a:tr>
-                  <a:tr h="370840">
-                    <a:tc>
-                      <a:txBody>
-                        <a:bodyPr/>
-                        <a:lstStyle/>
-                        <a:p>
-                          <a:r>
-                            <a:rPr lang="en-US" dirty="0"/>
-                            <a:t>F</a:t>
-                          </a:r>
-                        </a:p>
-                      </a:txBody>
-                      <a:tcPr/>
-                    </a:tc>
-                    <a:tc>
-                      <a:txBody>
-                        <a:bodyPr/>
-                        <a:lstStyle/>
-                        <a:p>
-                          <a:r>
-                            <a:rPr lang="en-US" dirty="0"/>
-                            <a:t>T</a:t>
-                          </a:r>
-                        </a:p>
-                      </a:txBody>
-                      <a:tcPr/>
-                    </a:tc>
-                    <a:tc>
-                      <a:txBody>
-                        <a:bodyPr/>
-                        <a:lstStyle/>
-                        <a:p>
-                          <a:r>
-                            <a:rPr lang="en-US" dirty="0"/>
-                            <a:t>T</a:t>
-                          </a:r>
-                        </a:p>
-                      </a:txBody>
-                      <a:tcPr/>
-                    </a:tc>
-                    <a:tc>
-                      <a:txBody>
-                        <a:bodyPr/>
-                        <a:lstStyle/>
-                        <a:p>
-                          <a:r>
-                            <a:rPr lang="en-US" dirty="0"/>
-                            <a:t>F</a:t>
-                          </a:r>
-                        </a:p>
-                      </a:txBody>
-                      <a:tcPr/>
-                    </a:tc>
-                    <a:tc>
-                      <a:txBody>
-                        <a:bodyPr/>
-                        <a:lstStyle/>
-                        <a:p>
-                          <a:r>
-                            <a:rPr lang="en-US" dirty="0"/>
-                            <a:t>T</a:t>
-                          </a:r>
-                        </a:p>
-                      </a:txBody>
-                      <a:tcPr/>
-                    </a:tc>
-                    <a:extLst>
-                      <a:ext uri="{0D108BD9-81ED-4DB2-BD59-A6C34878D82A}">
-                        <a16:rowId xmlns:a16="http://schemas.microsoft.com/office/drawing/2014/main" val="2824165101"/>
-                      </a:ext>
-                    </a:extLst>
-                  </a:tr>
-                  <a:tr h="370840">
-                    <a:tc>
-                      <a:txBody>
-                        <a:bodyPr/>
-                        <a:lstStyle/>
-                        <a:p>
-                          <a:r>
-                            <a:rPr lang="en-US" dirty="0"/>
-                            <a:t>F</a:t>
-                          </a:r>
-                        </a:p>
-                      </a:txBody>
-                      <a:tcPr/>
-                    </a:tc>
-                    <a:tc>
-                      <a:txBody>
-                        <a:bodyPr/>
-                        <a:lstStyle/>
-                        <a:p>
-                          <a:r>
-                            <a:rPr lang="en-US" dirty="0"/>
-                            <a:t>F</a:t>
-                          </a:r>
-                        </a:p>
-                      </a:txBody>
-                      <a:tcPr/>
-                    </a:tc>
-                    <a:tc>
-                      <a:txBody>
-                        <a:bodyPr/>
-                        <a:lstStyle/>
-                        <a:p>
-                          <a:r>
-                            <a:rPr lang="en-US" dirty="0"/>
-                            <a:t>T</a:t>
-                          </a:r>
-                        </a:p>
-                      </a:txBody>
-                      <a:tcPr/>
-                    </a:tc>
-                    <a:tc>
-                      <a:txBody>
-                        <a:bodyPr/>
-                        <a:lstStyle/>
-                        <a:p>
-                          <a:r>
-                            <a:rPr lang="en-US" dirty="0"/>
-                            <a:t>T</a:t>
-                          </a:r>
-                        </a:p>
-                      </a:txBody>
-                      <a:tcPr/>
-                    </a:tc>
-                    <a:tc>
-                      <a:txBody>
-                        <a:bodyPr/>
-                        <a:lstStyle/>
-                        <a:p>
-                          <a:r>
-                            <a:rPr lang="en-US" dirty="0"/>
-                            <a:t>T</a:t>
-                          </a:r>
-                        </a:p>
-                      </a:txBody>
-                      <a:tcPr/>
-                    </a:tc>
-                    <a:extLst>
-                      <a:ext uri="{0D108BD9-81ED-4DB2-BD59-A6C34878D82A}">
-                        <a16:rowId xmlns:a16="http://schemas.microsoft.com/office/drawing/2014/main" val="885008832"/>
-                      </a:ext>
-                    </a:extLst>
-                  </a:tr>
-                </a:tbl>
-              </a:graphicData>
-            </a:graphic>
-          </p:graphicFrame>
-        </mc:Fallback>
-      </mc:AlternateContent>
-      <p:pic>
-        <p:nvPicPr>
-          <p:cNvPr id="6" name="Picture 5">
-            <a:extLst>
-              <a:ext uri="{FF2B5EF4-FFF2-40B4-BE49-F238E27FC236}">
-                <a16:creationId xmlns:a16="http://schemas.microsoft.com/office/drawing/2014/main" id="{97B8F50D-9C62-C6E3-777C-7C9C88120088}"/>
-              </a:ext>
-            </a:extLst>
-          </p:cNvPr>
-          <p:cNvPicPr>
-            <a:picLocks noChangeAspect="1"/>
-          </p:cNvPicPr>
-          <p:nvPr/>
-        </p:nvPicPr>
-        <p:blipFill>
-          <a:blip r:embed="rId7"/>
-          <a:stretch>
-            <a:fillRect/>
-          </a:stretch>
-        </p:blipFill>
-        <p:spPr>
-          <a:xfrm>
-            <a:off x="9231696" y="230188"/>
-            <a:ext cx="2641600" cy="1447800"/>
-          </a:xfrm>
-          <a:prstGeom prst="rect">
-            <a:avLst/>
-          </a:prstGeom>
-        </p:spPr>
-      </p:pic>
-    </p:spTree>
-    <p:extLst>
-      <p:ext uri="{BB962C8B-B14F-4D97-AF65-F5344CB8AC3E}">
-        <p14:creationId xmlns:p14="http://schemas.microsoft.com/office/powerpoint/2010/main" val="2084119842"/>
-      </p:ext>
-    </p:extLst>
-  </p:cSld>
-  <p:clrMapOvr>
-    <a:masterClrMapping/>
-  </p:clrMapOvr>
-</p:sld>
-</file>
-
-<file path=ppt/slides/slide9.xml><?xml version="1.0" encoding="utf-8"?>
-<p:sld xmlns:a="http://schemas.openxmlformats.org/drawingml/2006/main" xmlns:r="http://schemas.openxmlformats.org/officeDocument/2006/relationships" xmlns:p="http://schemas.openxmlformats.org/presentationml/2006/main">
-  <p:cSld>
-    <p:spTree>
-      <p:nvGrpSpPr>
-        <p:cNvPr id="1" name=""/>
-        <p:cNvGrpSpPr/>
-        <p:nvPr/>
-      </p:nvGrpSpPr>
-      <p:grpSpPr>
-        <a:xfrm>
-          <a:off x="0" y="0"/>
-          <a:ext cx="0" cy="0"/>
-          <a:chOff x="0" y="0"/>
-          <a:chExt cx="0" cy="0"/>
-        </a:xfrm>
-      </p:grpSpPr>
-      <p:sp>
-        <p:nvSpPr>
-          <p:cNvPr id="2" name="Title 1">
-            <a:extLst>
-              <a:ext uri="{FF2B5EF4-FFF2-40B4-BE49-F238E27FC236}">
-                <a16:creationId xmlns:a16="http://schemas.microsoft.com/office/drawing/2014/main" id="{B8FB7A3D-5CA4-4C62-94ED-ADE07BBEA8B6}"/>
-              </a:ext>
-            </a:extLst>
-          </p:cNvPr>
-          <p:cNvSpPr>
-            <a:spLocks noGrp="1"/>
-          </p:cNvSpPr>
-          <p:nvPr>
-            <p:ph type="title"/>
-          </p:nvPr>
-        </p:nvSpPr>
-        <p:spPr/>
-        <p:txBody>
-          <a:bodyPr/>
-          <a:lstStyle/>
-          <a:p>
-            <a:r>
-              <a:rPr lang="en-US" dirty="0"/>
-              <a:t>De Morgan's Laws</a:t>
-            </a:r>
-          </a:p>
-        </p:txBody>
-      </p:sp>
-      <mc:AlternateContent xmlns:mc="http://schemas.openxmlformats.org/markup-compatibility/2006" xmlns:a14="http://schemas.microsoft.com/office/drawing/2010/main">
-        <mc:Choice Requires="a14">
-          <p:sp>
-            <p:nvSpPr>
-              <p:cNvPr id="3" name="Content Placeholder 2">
-                <a:extLst>
-                  <a:ext uri="{FF2B5EF4-FFF2-40B4-BE49-F238E27FC236}">
-                    <a16:creationId xmlns:a16="http://schemas.microsoft.com/office/drawing/2014/main" id="{D1667493-B257-4C41-8EA8-2F4182DA74B2}"/>
-                  </a:ext>
-                </a:extLst>
-              </p:cNvPr>
-              <p:cNvSpPr>
-                <a:spLocks noGrp="1"/>
-              </p:cNvSpPr>
-              <p:nvPr>
-                <p:ph idx="1"/>
-              </p:nvPr>
-            </p:nvSpPr>
-            <p:spPr/>
-            <p:txBody>
-              <a:bodyPr>
-                <a:normAutofit/>
-              </a:bodyPr>
-              <a:lstStyle/>
-              <a:p>
-                <a:pPr marL="0" indent="0">
-                  <a:buNone/>
-                </a:pPr>
-                <a:r>
-                  <a:rPr lang="en-US" sz="2800" dirty="0"/>
-                  <a:t>De Morgan’s laws for logic state:</a:t>
-                </a:r>
-              </a:p>
-              <a:p>
-                <a:pPr marL="0" indent="0">
-                  <a:buNone/>
-                </a:pPr>
-                <a:r>
-                  <a:rPr lang="en-US" sz="2800" i="1" dirty="0"/>
-                  <a:t>The negation of a conjunction is the disjunction of negations; likewise, the negation of a disjunction is the conjunction of negations.</a:t>
-                </a:r>
-              </a:p>
-              <a:p>
-                <a:pPr marL="0" indent="0">
-                  <a:buNone/>
-                </a:pPr>
-                <a:endParaRPr lang="en-US" sz="2800" b="0" i="1" dirty="0">
-                  <a:latin typeface="Cambria Math" panose="02040503050406030204" pitchFamily="18" charset="0"/>
-                </a:endParaRPr>
-              </a:p>
-              <a:p>
-                <a:pPr marL="0" indent="0">
-                  <a:buNone/>
-                </a:pPr>
-                <a14:m>
-                  <m:oMathPara xmlns:m="http://schemas.openxmlformats.org/officeDocument/2006/math">
-                    <m:oMathParaPr>
-                      <m:jc m:val="centerGroup"/>
-                    </m:oMathParaPr>
-                    <m:oMath xmlns:m="http://schemas.openxmlformats.org/officeDocument/2006/math">
-                      <m:r>
-                        <a:rPr lang="en-US" sz="2800" b="0" i="1" smtClean="0">
-                          <a:latin typeface="Cambria Math" panose="02040503050406030204" pitchFamily="18" charset="0"/>
-                        </a:rPr>
-                        <m:t>¬</m:t>
-                      </m:r>
-                      <m:d>
-                        <m:dPr>
-                          <m:ctrlPr>
-                            <a:rPr lang="en-US" sz="2800" b="0" i="1" smtClean="0">
-                              <a:latin typeface="Cambria Math" panose="02040503050406030204" pitchFamily="18" charset="0"/>
-                            </a:rPr>
-                          </m:ctrlPr>
-                        </m:dPr>
-                        <m:e>
-                          <m:r>
-                            <a:rPr lang="en-US" sz="2800" b="0" i="1" smtClean="0">
-                              <a:latin typeface="Cambria Math" panose="02040503050406030204" pitchFamily="18" charset="0"/>
-                            </a:rPr>
-                            <m:t>𝑝</m:t>
-                          </m:r>
-                          <m:r>
-                            <a:rPr lang="en-US" sz="2800" b="0" i="1" smtClean="0">
-                              <a:latin typeface="Cambria Math" panose="02040503050406030204" pitchFamily="18" charset="0"/>
-                            </a:rPr>
-                            <m:t>∧</m:t>
-                          </m:r>
-                          <m:r>
-                            <a:rPr lang="en-US" sz="2800" b="0" i="1" smtClean="0">
-                              <a:latin typeface="Cambria Math" panose="02040503050406030204" pitchFamily="18" charset="0"/>
-                            </a:rPr>
-                            <m:t>𝑞</m:t>
-                          </m:r>
-                        </m:e>
-                      </m:d>
-                      <m:r>
-                        <a:rPr lang="en-US" sz="2800" b="0" i="1" smtClean="0">
-                          <a:latin typeface="Cambria Math" panose="02040503050406030204" pitchFamily="18" charset="0"/>
-                        </a:rPr>
-                        <m:t>≡¬</m:t>
-                      </m:r>
-                      <m:r>
-                        <a:rPr lang="en-US" sz="2800" b="0" i="1" smtClean="0">
-                          <a:latin typeface="Cambria Math" panose="02040503050406030204" pitchFamily="18" charset="0"/>
-                        </a:rPr>
-                        <m:t>𝑝</m:t>
-                      </m:r>
-                      <m:r>
-                        <a:rPr lang="en-US" sz="2800" b="0" i="1" smtClean="0">
-                          <a:latin typeface="Cambria Math" panose="02040503050406030204" pitchFamily="18" charset="0"/>
-                        </a:rPr>
-                        <m:t>∨¬</m:t>
-                      </m:r>
-                      <m:r>
-                        <a:rPr lang="en-US" sz="2800" b="0" i="1" smtClean="0">
-                          <a:latin typeface="Cambria Math" panose="02040503050406030204" pitchFamily="18" charset="0"/>
-                        </a:rPr>
-                        <m:t>𝑞</m:t>
-                      </m:r>
-                    </m:oMath>
-                  </m:oMathPara>
-                </a14:m>
-                <a:endParaRPr lang="en-US" sz="2800" b="0" i="1" dirty="0"/>
-              </a:p>
-              <a:p>
-                <a:pPr marL="0" indent="0">
-                  <a:buNone/>
-                </a:pPr>
-                <a:endParaRPr lang="en-US" sz="2800" b="0" i="1" dirty="0">
-                  <a:latin typeface="Cambria Math" panose="02040503050406030204" pitchFamily="18" charset="0"/>
-                </a:endParaRPr>
-              </a:p>
-              <a:p>
-                <a:pPr marL="0" indent="0">
-                  <a:buNone/>
-                </a:pPr>
-                <a:endParaRPr lang="en-US" sz="2800" b="0" i="1" dirty="0">
-                  <a:latin typeface="Cambria Math" panose="02040503050406030204" pitchFamily="18" charset="0"/>
-                </a:endParaRPr>
-              </a:p>
-              <a:p>
-                <a:pPr marL="0" indent="0">
-                  <a:buNone/>
-                </a:pPr>
-                <a:endParaRPr lang="en-US" sz="2800" b="0" i="1" dirty="0">
-                  <a:latin typeface="Cambria Math" panose="02040503050406030204" pitchFamily="18" charset="0"/>
-                </a:endParaRPr>
-              </a:p>
-              <a:p>
-                <a:pPr marL="0" indent="0">
-                  <a:buNone/>
-                </a:pPr>
-                <a14:m>
-                  <m:oMathPara xmlns:m="http://schemas.openxmlformats.org/officeDocument/2006/math">
-                    <m:oMathParaPr>
-                      <m:jc m:val="centerGroup"/>
-                    </m:oMathParaPr>
-                    <m:oMath xmlns:m="http://schemas.openxmlformats.org/officeDocument/2006/math">
-                      <m:r>
-                        <a:rPr lang="en-US" sz="2800" b="0" i="1" smtClean="0">
-                          <a:latin typeface="Cambria Math" panose="02040503050406030204" pitchFamily="18" charset="0"/>
-                        </a:rPr>
-                        <m:t>¬</m:t>
-                      </m:r>
-                      <m:d>
-                        <m:dPr>
-                          <m:ctrlPr>
-                            <a:rPr lang="en-US" sz="2800" i="1" smtClean="0">
-                              <a:latin typeface="Cambria Math" panose="02040503050406030204" pitchFamily="18" charset="0"/>
-                            </a:rPr>
-                          </m:ctrlPr>
-                        </m:dPr>
-                        <m:e>
-                          <m:r>
-                            <a:rPr lang="en-US" sz="2800" b="0" i="1" smtClean="0">
-                              <a:latin typeface="Cambria Math" panose="02040503050406030204" pitchFamily="18" charset="0"/>
-                            </a:rPr>
-                            <m:t>𝑝</m:t>
-                          </m:r>
-                          <m:r>
-                            <a:rPr lang="en-US" sz="2800" b="0" i="1" smtClean="0">
-                              <a:latin typeface="Cambria Math" panose="02040503050406030204" pitchFamily="18" charset="0"/>
-                            </a:rPr>
-                            <m:t>∨</m:t>
-                          </m:r>
-                          <m:r>
-                            <a:rPr lang="en-US" sz="2800" b="0" i="1" smtClean="0">
-                              <a:latin typeface="Cambria Math" panose="02040503050406030204" pitchFamily="18" charset="0"/>
-                            </a:rPr>
-                            <m:t>𝑞</m:t>
-                          </m:r>
-                        </m:e>
-                      </m:d>
-                      <m:r>
-                        <a:rPr lang="en-US" sz="2800" b="0" i="1" smtClean="0">
-                          <a:latin typeface="Cambria Math" panose="02040503050406030204" pitchFamily="18" charset="0"/>
-                        </a:rPr>
-                        <m:t>≡¬</m:t>
-                      </m:r>
-                      <m:r>
-                        <a:rPr lang="en-US" sz="2800" b="0" i="1" smtClean="0">
-                          <a:latin typeface="Cambria Math" panose="02040503050406030204" pitchFamily="18" charset="0"/>
-                        </a:rPr>
-                        <m:t>𝑝</m:t>
-                      </m:r>
-                      <m:r>
-                        <a:rPr lang="en-US" sz="2800" b="0" i="1" smtClean="0">
-                          <a:latin typeface="Cambria Math" panose="02040503050406030204" pitchFamily="18" charset="0"/>
-                        </a:rPr>
-                        <m:t>∧¬</m:t>
-                      </m:r>
-                      <m:r>
-                        <a:rPr lang="en-US" sz="2800" b="0" i="1" smtClean="0">
-                          <a:latin typeface="Cambria Math" panose="02040503050406030204" pitchFamily="18" charset="0"/>
-                        </a:rPr>
-                        <m:t>𝑞</m:t>
-                      </m:r>
-                    </m:oMath>
-                  </m:oMathPara>
-                </a14:m>
-                <a:endParaRPr lang="en-US" sz="2800" i="1" dirty="0"/>
-              </a:p>
-              <a:p>
-                <a:pPr marL="0" indent="0">
-                  <a:buNone/>
-                </a:pPr>
-                <a:endParaRPr lang="en-US" sz="2800" i="1" dirty="0"/>
-              </a:p>
-            </p:txBody>
-          </p:sp>
-        </mc:Choice>
-        <mc:Fallback xmlns="">
+        <mc:Fallback>
           <p:sp>
             <p:nvSpPr>
               <p:cNvPr id="3" name="Content Placeholder 2">
